--- a/Spring 2017 Semester/Music or Arts/ARUS HW/14 ARUS HW/ARUS 280 HW #14.pptx
+++ b/Spring 2017 Semester/Music or Arts/ARUS HW/14 ARUS HW/ARUS 280 HW #14.pptx
@@ -28,16 +28,25 @@
     <p:sldId id="273" r:id="rId23"/>
     <p:sldId id="274" r:id="rId24"/>
     <p:sldId id="275" r:id="rId25"/>
+    <p:sldId id="276" r:id="rId26"/>
+    <p:sldId id="277" r:id="rId27"/>
+    <p:sldId id="278" r:id="rId28"/>
+    <p:sldId id="279" r:id="rId29"/>
+    <p:sldId id="280" r:id="rId30"/>
+    <p:sldId id="281" r:id="rId31"/>
+    <p:sldId id="282" r:id="rId32"/>
+    <p:sldId id="283" r:id="rId33"/>
+    <p:sldId id="284" r:id="rId34"/>
   </p:sldIdLst>
   <p:sldSz cy="6858000" cx="12188825"/>
   <p:notesSz cx="6858000" cy="9144000"/>
   <p:embeddedFontLst>
     <p:embeddedFont>
       <p:font typeface="Source Sans Pro"/>
-      <p:regular r:id="rId26"/>
-      <p:bold r:id="rId27"/>
-      <p:italic r:id="rId28"/>
-      <p:boldItalic r:id="rId29"/>
+      <p:regular r:id="rId35"/>
+      <p:bold r:id="rId36"/>
+      <p:italic r:id="rId37"/>
+      <p:boldItalic r:id="rId38"/>
     </p:embeddedFont>
   </p:embeddedFontLst>
   <p:defaultTextStyle>
@@ -3065,6 +3074,1365 @@
       <p:sp>
         <p:nvSpPr>
           <p:cNvPr id="236" name="Shape 236"/>
+          <p:cNvSpPr txBox="1"/>
+          <p:nvPr>
+            <p:ph idx="12" type="sldNum"/>
+          </p:nvPr>
+        </p:nvSpPr>
+        <p:spPr>
+          <a:xfrm>
+            <a:off x="3884612" y="8685213"/>
+            <a:ext cx="2971800" cy="457200"/>
+          </a:xfrm>
+          <a:prstGeom prst="rect">
+            <a:avLst/>
+          </a:prstGeom>
+          <a:noFill/>
+          <a:ln>
+            <a:noFill/>
+          </a:ln>
+        </p:spPr>
+        <p:txBody>
+          <a:bodyPr anchorCtr="0" anchor="b" bIns="45700" lIns="91425" rIns="91425" tIns="45700">
+            <a:noAutofit/>
+          </a:bodyPr>
+          <a:lstStyle/>
+          <a:p>
+            <a:pPr indent="0" lvl="0" marL="0" marR="0" rtl="0" algn="r">
+              <a:spcBef>
+                <a:spcPts val="0"/>
+              </a:spcBef>
+              <a:buSzPct val="25000"/>
+              <a:buNone/>
+            </a:pPr>
+            <a:fld id="{00000000-1234-1234-1234-123412341234}" type="slidenum">
+              <a:rPr b="0" i="0" lang="en-US" sz="1200" u="none" cap="none" strike="noStrike">
+                <a:solidFill>
+                  <a:schemeClr val="dk1"/>
+                </a:solidFill>
+                <a:latin typeface="Source Sans Pro"/>
+                <a:ea typeface="Source Sans Pro"/>
+                <a:cs typeface="Source Sans Pro"/>
+                <a:sym typeface="Source Sans Pro"/>
+              </a:rPr>
+              <a:t>‹#›</a:t>
+            </a:fld>
+          </a:p>
+        </p:txBody>
+      </p:sp>
+    </p:spTree>
+  </p:cSld>
+  <p:clrMapOvr>
+    <a:masterClrMapping/>
+  </p:clrMapOvr>
+</p:notes>
+</file>
+
+<file path=ppt/notesSlides/notesSlide21.xml><?xml version="1.0" encoding="utf-8"?>
+<p:notes xmlns:a="http://schemas.openxmlformats.org/drawingml/2006/main" xmlns:r="http://schemas.openxmlformats.org/officeDocument/2006/relationships" xmlns:mc="http://schemas.openxmlformats.org/markup-compatibility/2006" xmlns:mv="urn:schemas-microsoft-com:mac:vml" xmlns:p="http://schemas.openxmlformats.org/presentationml/2006/main" xmlns:c="http://schemas.openxmlformats.org/drawingml/2006/chart" xmlns:dgm="http://schemas.openxmlformats.org/drawingml/2006/diagram" xmlns:o="urn:schemas-microsoft-com:office:office" xmlns:v="urn:schemas-microsoft-com:vml" xmlns:pvml="urn:schemas-microsoft-com:office:powerpoint" xmlns:com="http://schemas.openxmlformats.org/drawingml/2006/compatibility" xmlns:p14="http://schemas.microsoft.com/office/powerpoint/2010/main" showMasterPhAnim="0" showMasterSp="0">
+  <p:cSld>
+    <p:spTree>
+      <p:nvGrpSpPr>
+        <p:cNvPr id="240" name="Shape 240"/>
+        <p:cNvGrpSpPr/>
+        <p:nvPr/>
+      </p:nvGrpSpPr>
+      <p:grpSpPr>
+        <a:xfrm>
+          <a:off x="0" y="0"/>
+          <a:ext cx="0" cy="0"/>
+          <a:chOff x="0" y="0"/>
+          <a:chExt cx="0" cy="0"/>
+        </a:xfrm>
+      </p:grpSpPr>
+      <p:sp>
+        <p:nvSpPr>
+          <p:cNvPr id="241" name="Shape 241"/>
+          <p:cNvSpPr txBox="1"/>
+          <p:nvPr>
+            <p:ph idx="1" type="body"/>
+          </p:nvPr>
+        </p:nvSpPr>
+        <p:spPr>
+          <a:xfrm>
+            <a:off x="685800" y="4343400"/>
+            <a:ext cx="5486400" cy="4114800"/>
+          </a:xfrm>
+          <a:prstGeom prst="rect">
+            <a:avLst/>
+          </a:prstGeom>
+        </p:spPr>
+        <p:txBody>
+          <a:bodyPr anchorCtr="0" anchor="t" bIns="91425" lIns="91425" rIns="91425" tIns="91425">
+            <a:noAutofit/>
+          </a:bodyPr>
+          <a:lstStyle/>
+          <a:p>
+            <a:pPr lvl="0" rtl="0">
+              <a:spcBef>
+                <a:spcPts val="0"/>
+              </a:spcBef>
+              <a:buNone/>
+            </a:pPr>
+            <a:r>
+              <a:t/>
+            </a:r>
+            <a:endParaRPr/>
+          </a:p>
+        </p:txBody>
+      </p:sp>
+      <p:sp>
+        <p:nvSpPr>
+          <p:cNvPr id="242" name="Shape 242"/>
+          <p:cNvSpPr/>
+          <p:nvPr>
+            <p:ph idx="2" type="sldImg"/>
+          </p:nvPr>
+        </p:nvSpPr>
+        <p:spPr>
+          <a:xfrm>
+            <a:off x="382587" y="685800"/>
+            <a:ext cx="6092700" cy="3429000"/>
+          </a:xfrm>
+          <a:custGeom>
+            <a:pathLst>
+              <a:path extrusionOk="0" h="120000" w="120000">
+                <a:moveTo>
+                  <a:pt x="0" y="0"/>
+                </a:moveTo>
+                <a:lnTo>
+                  <a:pt x="120000" y="0"/>
+                </a:lnTo>
+                <a:lnTo>
+                  <a:pt x="120000" y="120000"/>
+                </a:lnTo>
+                <a:lnTo>
+                  <a:pt x="0" y="120000"/>
+                </a:lnTo>
+                <a:close/>
+              </a:path>
+            </a:pathLst>
+          </a:custGeom>
+        </p:spPr>
+      </p:sp>
+    </p:spTree>
+  </p:cSld>
+  <p:clrMapOvr>
+    <a:masterClrMapping/>
+  </p:clrMapOvr>
+</p:notes>
+</file>
+
+<file path=ppt/notesSlides/notesSlide22.xml><?xml version="1.0" encoding="utf-8"?>
+<p:notes xmlns:a="http://schemas.openxmlformats.org/drawingml/2006/main" xmlns:r="http://schemas.openxmlformats.org/officeDocument/2006/relationships" xmlns:mc="http://schemas.openxmlformats.org/markup-compatibility/2006" xmlns:mv="urn:schemas-microsoft-com:mac:vml" xmlns:p="http://schemas.openxmlformats.org/presentationml/2006/main" xmlns:c="http://schemas.openxmlformats.org/drawingml/2006/chart" xmlns:dgm="http://schemas.openxmlformats.org/drawingml/2006/diagram" xmlns:o="urn:schemas-microsoft-com:office:office" xmlns:v="urn:schemas-microsoft-com:vml" xmlns:pvml="urn:schemas-microsoft-com:office:powerpoint" xmlns:com="http://schemas.openxmlformats.org/drawingml/2006/compatibility" xmlns:p14="http://schemas.microsoft.com/office/powerpoint/2010/main" showMasterPhAnim="0" showMasterSp="0">
+  <p:cSld>
+    <p:spTree>
+      <p:nvGrpSpPr>
+        <p:cNvPr id="247" name="Shape 247"/>
+        <p:cNvGrpSpPr/>
+        <p:nvPr/>
+      </p:nvGrpSpPr>
+      <p:grpSpPr>
+        <a:xfrm>
+          <a:off x="0" y="0"/>
+          <a:ext cx="0" cy="0"/>
+          <a:chOff x="0" y="0"/>
+          <a:chExt cx="0" cy="0"/>
+        </a:xfrm>
+      </p:grpSpPr>
+      <p:sp>
+        <p:nvSpPr>
+          <p:cNvPr id="248" name="Shape 248"/>
+          <p:cNvSpPr/>
+          <p:nvPr>
+            <p:ph idx="2" type="sldImg"/>
+          </p:nvPr>
+        </p:nvSpPr>
+        <p:spPr>
+          <a:xfrm>
+            <a:off x="382587" y="685800"/>
+            <a:ext cx="6092700" cy="3429000"/>
+          </a:xfrm>
+          <a:custGeom>
+            <a:pathLst>
+              <a:path extrusionOk="0" h="120000" w="120000">
+                <a:moveTo>
+                  <a:pt x="0" y="0"/>
+                </a:moveTo>
+                <a:lnTo>
+                  <a:pt x="120000" y="0"/>
+                </a:lnTo>
+                <a:lnTo>
+                  <a:pt x="120000" y="120000"/>
+                </a:lnTo>
+                <a:lnTo>
+                  <a:pt x="0" y="120000"/>
+                </a:lnTo>
+                <a:close/>
+              </a:path>
+            </a:pathLst>
+          </a:custGeom>
+          <a:noFill/>
+          <a:ln cap="flat" cmpd="sng" w="12700">
+            <a:solidFill>
+              <a:srgbClr val="000000"/>
+            </a:solidFill>
+            <a:prstDash val="solid"/>
+            <a:round/>
+            <a:headEnd len="med" w="med" type="none"/>
+            <a:tailEnd len="med" w="med" type="none"/>
+          </a:ln>
+        </p:spPr>
+      </p:sp>
+      <p:sp>
+        <p:nvSpPr>
+          <p:cNvPr id="249" name="Shape 249"/>
+          <p:cNvSpPr txBox="1"/>
+          <p:nvPr>
+            <p:ph idx="1" type="body"/>
+          </p:nvPr>
+        </p:nvSpPr>
+        <p:spPr>
+          <a:xfrm>
+            <a:off x="685800" y="4343400"/>
+            <a:ext cx="5486400" cy="4114800"/>
+          </a:xfrm>
+          <a:prstGeom prst="rect">
+            <a:avLst/>
+          </a:prstGeom>
+          <a:noFill/>
+          <a:ln>
+            <a:noFill/>
+          </a:ln>
+        </p:spPr>
+        <p:txBody>
+          <a:bodyPr anchorCtr="0" anchor="t" bIns="45700" lIns="91425" rIns="91425" tIns="45700">
+            <a:noAutofit/>
+          </a:bodyPr>
+          <a:lstStyle/>
+          <a:p>
+            <a:pPr indent="0" lvl="0" marL="0" marR="0" rtl="0" algn="l">
+              <a:spcBef>
+                <a:spcPts val="0"/>
+              </a:spcBef>
+              <a:buSzPct val="25000"/>
+              <a:buNone/>
+            </a:pPr>
+            <a:r>
+              <a:t/>
+            </a:r>
+            <a:endParaRPr b="0" i="0" sz="1200" u="none" cap="none" strike="noStrike">
+              <a:solidFill>
+                <a:schemeClr val="dk2"/>
+              </a:solidFill>
+              <a:latin typeface="Source Sans Pro"/>
+              <a:ea typeface="Source Sans Pro"/>
+              <a:cs typeface="Source Sans Pro"/>
+              <a:sym typeface="Source Sans Pro"/>
+            </a:endParaRPr>
+          </a:p>
+        </p:txBody>
+      </p:sp>
+      <p:sp>
+        <p:nvSpPr>
+          <p:cNvPr id="250" name="Shape 250"/>
+          <p:cNvSpPr txBox="1"/>
+          <p:nvPr>
+            <p:ph idx="12" type="sldNum"/>
+          </p:nvPr>
+        </p:nvSpPr>
+        <p:spPr>
+          <a:xfrm>
+            <a:off x="3884612" y="8685213"/>
+            <a:ext cx="2971800" cy="457200"/>
+          </a:xfrm>
+          <a:prstGeom prst="rect">
+            <a:avLst/>
+          </a:prstGeom>
+          <a:noFill/>
+          <a:ln>
+            <a:noFill/>
+          </a:ln>
+        </p:spPr>
+        <p:txBody>
+          <a:bodyPr anchorCtr="0" anchor="b" bIns="45700" lIns="91425" rIns="91425" tIns="45700">
+            <a:noAutofit/>
+          </a:bodyPr>
+          <a:lstStyle/>
+          <a:p>
+            <a:pPr indent="0" lvl="0" marL="0" marR="0" rtl="0" algn="r">
+              <a:spcBef>
+                <a:spcPts val="0"/>
+              </a:spcBef>
+              <a:buSzPct val="25000"/>
+              <a:buNone/>
+            </a:pPr>
+            <a:fld id="{00000000-1234-1234-1234-123412341234}" type="slidenum">
+              <a:rPr b="0" i="0" lang="en-US" sz="1200" u="none" cap="none" strike="noStrike">
+                <a:solidFill>
+                  <a:schemeClr val="dk1"/>
+                </a:solidFill>
+                <a:latin typeface="Source Sans Pro"/>
+                <a:ea typeface="Source Sans Pro"/>
+                <a:cs typeface="Source Sans Pro"/>
+                <a:sym typeface="Source Sans Pro"/>
+              </a:rPr>
+              <a:t>‹#›</a:t>
+            </a:fld>
+          </a:p>
+        </p:txBody>
+      </p:sp>
+    </p:spTree>
+  </p:cSld>
+  <p:clrMapOvr>
+    <a:masterClrMapping/>
+  </p:clrMapOvr>
+</p:notes>
+</file>
+
+<file path=ppt/notesSlides/notesSlide23.xml><?xml version="1.0" encoding="utf-8"?>
+<p:notes xmlns:a="http://schemas.openxmlformats.org/drawingml/2006/main" xmlns:r="http://schemas.openxmlformats.org/officeDocument/2006/relationships" xmlns:mc="http://schemas.openxmlformats.org/markup-compatibility/2006" xmlns:mv="urn:schemas-microsoft-com:mac:vml" xmlns:p="http://schemas.openxmlformats.org/presentationml/2006/main" xmlns:c="http://schemas.openxmlformats.org/drawingml/2006/chart" xmlns:dgm="http://schemas.openxmlformats.org/drawingml/2006/diagram" xmlns:o="urn:schemas-microsoft-com:office:office" xmlns:v="urn:schemas-microsoft-com:vml" xmlns:pvml="urn:schemas-microsoft-com:office:powerpoint" xmlns:com="http://schemas.openxmlformats.org/drawingml/2006/compatibility" xmlns:p14="http://schemas.microsoft.com/office/powerpoint/2010/main" showMasterPhAnim="0" showMasterSp="0">
+  <p:cSld>
+    <p:spTree>
+      <p:nvGrpSpPr>
+        <p:cNvPr id="254" name="Shape 254"/>
+        <p:cNvGrpSpPr/>
+        <p:nvPr/>
+      </p:nvGrpSpPr>
+      <p:grpSpPr>
+        <a:xfrm>
+          <a:off x="0" y="0"/>
+          <a:ext cx="0" cy="0"/>
+          <a:chOff x="0" y="0"/>
+          <a:chExt cx="0" cy="0"/>
+        </a:xfrm>
+      </p:grpSpPr>
+      <p:sp>
+        <p:nvSpPr>
+          <p:cNvPr id="255" name="Shape 255"/>
+          <p:cNvSpPr/>
+          <p:nvPr>
+            <p:ph idx="2" type="sldImg"/>
+          </p:nvPr>
+        </p:nvSpPr>
+        <p:spPr>
+          <a:xfrm>
+            <a:off x="382587" y="685800"/>
+            <a:ext cx="6092700" cy="3429000"/>
+          </a:xfrm>
+          <a:custGeom>
+            <a:pathLst>
+              <a:path extrusionOk="0" h="120000" w="120000">
+                <a:moveTo>
+                  <a:pt x="0" y="0"/>
+                </a:moveTo>
+                <a:lnTo>
+                  <a:pt x="120000" y="0"/>
+                </a:lnTo>
+                <a:lnTo>
+                  <a:pt x="120000" y="120000"/>
+                </a:lnTo>
+                <a:lnTo>
+                  <a:pt x="0" y="120000"/>
+                </a:lnTo>
+                <a:close/>
+              </a:path>
+            </a:pathLst>
+          </a:custGeom>
+          <a:noFill/>
+          <a:ln cap="flat" cmpd="sng" w="12700">
+            <a:solidFill>
+              <a:srgbClr val="000000"/>
+            </a:solidFill>
+            <a:prstDash val="solid"/>
+            <a:round/>
+            <a:headEnd len="med" w="med" type="none"/>
+            <a:tailEnd len="med" w="med" type="none"/>
+          </a:ln>
+        </p:spPr>
+      </p:sp>
+      <p:sp>
+        <p:nvSpPr>
+          <p:cNvPr id="256" name="Shape 256"/>
+          <p:cNvSpPr txBox="1"/>
+          <p:nvPr>
+            <p:ph idx="1" type="body"/>
+          </p:nvPr>
+        </p:nvSpPr>
+        <p:spPr>
+          <a:xfrm>
+            <a:off x="685800" y="4343400"/>
+            <a:ext cx="5486400" cy="4114800"/>
+          </a:xfrm>
+          <a:prstGeom prst="rect">
+            <a:avLst/>
+          </a:prstGeom>
+          <a:noFill/>
+          <a:ln>
+            <a:noFill/>
+          </a:ln>
+        </p:spPr>
+        <p:txBody>
+          <a:bodyPr anchorCtr="0" anchor="t" bIns="45700" lIns="91425" rIns="91425" tIns="45700">
+            <a:noAutofit/>
+          </a:bodyPr>
+          <a:lstStyle/>
+          <a:p>
+            <a:pPr indent="0" lvl="0" marL="0" marR="0" rtl="0" algn="l">
+              <a:spcBef>
+                <a:spcPts val="0"/>
+              </a:spcBef>
+              <a:buSzPct val="25000"/>
+              <a:buNone/>
+            </a:pPr>
+            <a:r>
+              <a:t/>
+            </a:r>
+            <a:endParaRPr b="0" i="0" sz="1200" u="none" cap="none" strike="noStrike">
+              <a:solidFill>
+                <a:schemeClr val="dk2"/>
+              </a:solidFill>
+              <a:latin typeface="Source Sans Pro"/>
+              <a:ea typeface="Source Sans Pro"/>
+              <a:cs typeface="Source Sans Pro"/>
+              <a:sym typeface="Source Sans Pro"/>
+            </a:endParaRPr>
+          </a:p>
+        </p:txBody>
+      </p:sp>
+      <p:sp>
+        <p:nvSpPr>
+          <p:cNvPr id="257" name="Shape 257"/>
+          <p:cNvSpPr txBox="1"/>
+          <p:nvPr>
+            <p:ph idx="12" type="sldNum"/>
+          </p:nvPr>
+        </p:nvSpPr>
+        <p:spPr>
+          <a:xfrm>
+            <a:off x="3884612" y="8685213"/>
+            <a:ext cx="2971800" cy="457200"/>
+          </a:xfrm>
+          <a:prstGeom prst="rect">
+            <a:avLst/>
+          </a:prstGeom>
+          <a:noFill/>
+          <a:ln>
+            <a:noFill/>
+          </a:ln>
+        </p:spPr>
+        <p:txBody>
+          <a:bodyPr anchorCtr="0" anchor="b" bIns="45700" lIns="91425" rIns="91425" tIns="45700">
+            <a:noAutofit/>
+          </a:bodyPr>
+          <a:lstStyle/>
+          <a:p>
+            <a:pPr indent="0" lvl="0" marL="0" marR="0" rtl="0" algn="r">
+              <a:spcBef>
+                <a:spcPts val="0"/>
+              </a:spcBef>
+              <a:buSzPct val="25000"/>
+              <a:buNone/>
+            </a:pPr>
+            <a:fld id="{00000000-1234-1234-1234-123412341234}" type="slidenum">
+              <a:rPr b="0" i="0" lang="en-US" sz="1200" u="none" cap="none" strike="noStrike">
+                <a:solidFill>
+                  <a:schemeClr val="dk1"/>
+                </a:solidFill>
+                <a:latin typeface="Source Sans Pro"/>
+                <a:ea typeface="Source Sans Pro"/>
+                <a:cs typeface="Source Sans Pro"/>
+                <a:sym typeface="Source Sans Pro"/>
+              </a:rPr>
+              <a:t>‹#›</a:t>
+            </a:fld>
+          </a:p>
+        </p:txBody>
+      </p:sp>
+    </p:spTree>
+  </p:cSld>
+  <p:clrMapOvr>
+    <a:masterClrMapping/>
+  </p:clrMapOvr>
+</p:notes>
+</file>
+
+<file path=ppt/notesSlides/notesSlide24.xml><?xml version="1.0" encoding="utf-8"?>
+<p:notes xmlns:a="http://schemas.openxmlformats.org/drawingml/2006/main" xmlns:r="http://schemas.openxmlformats.org/officeDocument/2006/relationships" xmlns:mc="http://schemas.openxmlformats.org/markup-compatibility/2006" xmlns:mv="urn:schemas-microsoft-com:mac:vml" xmlns:p="http://schemas.openxmlformats.org/presentationml/2006/main" xmlns:c="http://schemas.openxmlformats.org/drawingml/2006/chart" xmlns:dgm="http://schemas.openxmlformats.org/drawingml/2006/diagram" xmlns:o="urn:schemas-microsoft-com:office:office" xmlns:v="urn:schemas-microsoft-com:vml" xmlns:pvml="urn:schemas-microsoft-com:office:powerpoint" xmlns:com="http://schemas.openxmlformats.org/drawingml/2006/compatibility" xmlns:p14="http://schemas.microsoft.com/office/powerpoint/2010/main" showMasterPhAnim="0" showMasterSp="0">
+  <p:cSld>
+    <p:spTree>
+      <p:nvGrpSpPr>
+        <p:cNvPr id="261" name="Shape 261"/>
+        <p:cNvGrpSpPr/>
+        <p:nvPr/>
+      </p:nvGrpSpPr>
+      <p:grpSpPr>
+        <a:xfrm>
+          <a:off x="0" y="0"/>
+          <a:ext cx="0" cy="0"/>
+          <a:chOff x="0" y="0"/>
+          <a:chExt cx="0" cy="0"/>
+        </a:xfrm>
+      </p:grpSpPr>
+      <p:sp>
+        <p:nvSpPr>
+          <p:cNvPr id="262" name="Shape 262"/>
+          <p:cNvSpPr/>
+          <p:nvPr>
+            <p:ph idx="2" type="sldImg"/>
+          </p:nvPr>
+        </p:nvSpPr>
+        <p:spPr>
+          <a:xfrm>
+            <a:off x="382587" y="685800"/>
+            <a:ext cx="6092700" cy="3429000"/>
+          </a:xfrm>
+          <a:custGeom>
+            <a:pathLst>
+              <a:path extrusionOk="0" h="120000" w="120000">
+                <a:moveTo>
+                  <a:pt x="0" y="0"/>
+                </a:moveTo>
+                <a:lnTo>
+                  <a:pt x="120000" y="0"/>
+                </a:lnTo>
+                <a:lnTo>
+                  <a:pt x="120000" y="120000"/>
+                </a:lnTo>
+                <a:lnTo>
+                  <a:pt x="0" y="120000"/>
+                </a:lnTo>
+                <a:close/>
+              </a:path>
+            </a:pathLst>
+          </a:custGeom>
+          <a:noFill/>
+          <a:ln cap="flat" cmpd="sng" w="12700">
+            <a:solidFill>
+              <a:srgbClr val="000000"/>
+            </a:solidFill>
+            <a:prstDash val="solid"/>
+            <a:round/>
+            <a:headEnd len="med" w="med" type="none"/>
+            <a:tailEnd len="med" w="med" type="none"/>
+          </a:ln>
+        </p:spPr>
+      </p:sp>
+      <p:sp>
+        <p:nvSpPr>
+          <p:cNvPr id="263" name="Shape 263"/>
+          <p:cNvSpPr txBox="1"/>
+          <p:nvPr>
+            <p:ph idx="1" type="body"/>
+          </p:nvPr>
+        </p:nvSpPr>
+        <p:spPr>
+          <a:xfrm>
+            <a:off x="685800" y="4343400"/>
+            <a:ext cx="5486400" cy="4114800"/>
+          </a:xfrm>
+          <a:prstGeom prst="rect">
+            <a:avLst/>
+          </a:prstGeom>
+          <a:noFill/>
+          <a:ln>
+            <a:noFill/>
+          </a:ln>
+        </p:spPr>
+        <p:txBody>
+          <a:bodyPr anchorCtr="0" anchor="t" bIns="45700" lIns="91425" rIns="91425" tIns="45700">
+            <a:noAutofit/>
+          </a:bodyPr>
+          <a:lstStyle/>
+          <a:p>
+            <a:pPr indent="0" lvl="0" marL="0" marR="0" rtl="0" algn="l">
+              <a:spcBef>
+                <a:spcPts val="0"/>
+              </a:spcBef>
+              <a:buSzPct val="25000"/>
+              <a:buNone/>
+            </a:pPr>
+            <a:r>
+              <a:t/>
+            </a:r>
+            <a:endParaRPr b="0" i="0" sz="1200" u="none" cap="none" strike="noStrike">
+              <a:solidFill>
+                <a:schemeClr val="dk2"/>
+              </a:solidFill>
+              <a:latin typeface="Source Sans Pro"/>
+              <a:ea typeface="Source Sans Pro"/>
+              <a:cs typeface="Source Sans Pro"/>
+              <a:sym typeface="Source Sans Pro"/>
+            </a:endParaRPr>
+          </a:p>
+        </p:txBody>
+      </p:sp>
+      <p:sp>
+        <p:nvSpPr>
+          <p:cNvPr id="264" name="Shape 264"/>
+          <p:cNvSpPr txBox="1"/>
+          <p:nvPr>
+            <p:ph idx="12" type="sldNum"/>
+          </p:nvPr>
+        </p:nvSpPr>
+        <p:spPr>
+          <a:xfrm>
+            <a:off x="3884612" y="8685213"/>
+            <a:ext cx="2971800" cy="457200"/>
+          </a:xfrm>
+          <a:prstGeom prst="rect">
+            <a:avLst/>
+          </a:prstGeom>
+          <a:noFill/>
+          <a:ln>
+            <a:noFill/>
+          </a:ln>
+        </p:spPr>
+        <p:txBody>
+          <a:bodyPr anchorCtr="0" anchor="b" bIns="45700" lIns="91425" rIns="91425" tIns="45700">
+            <a:noAutofit/>
+          </a:bodyPr>
+          <a:lstStyle/>
+          <a:p>
+            <a:pPr indent="0" lvl="0" marL="0" marR="0" rtl="0" algn="r">
+              <a:spcBef>
+                <a:spcPts val="0"/>
+              </a:spcBef>
+              <a:buSzPct val="25000"/>
+              <a:buNone/>
+            </a:pPr>
+            <a:fld id="{00000000-1234-1234-1234-123412341234}" type="slidenum">
+              <a:rPr b="0" i="0" lang="en-US" sz="1200" u="none" cap="none" strike="noStrike">
+                <a:solidFill>
+                  <a:schemeClr val="dk1"/>
+                </a:solidFill>
+                <a:latin typeface="Source Sans Pro"/>
+                <a:ea typeface="Source Sans Pro"/>
+                <a:cs typeface="Source Sans Pro"/>
+                <a:sym typeface="Source Sans Pro"/>
+              </a:rPr>
+              <a:t>‹#›</a:t>
+            </a:fld>
+          </a:p>
+        </p:txBody>
+      </p:sp>
+    </p:spTree>
+  </p:cSld>
+  <p:clrMapOvr>
+    <a:masterClrMapping/>
+  </p:clrMapOvr>
+</p:notes>
+</file>
+
+<file path=ppt/notesSlides/notesSlide25.xml><?xml version="1.0" encoding="utf-8"?>
+<p:notes xmlns:a="http://schemas.openxmlformats.org/drawingml/2006/main" xmlns:r="http://schemas.openxmlformats.org/officeDocument/2006/relationships" xmlns:mc="http://schemas.openxmlformats.org/markup-compatibility/2006" xmlns:mv="urn:schemas-microsoft-com:mac:vml" xmlns:p="http://schemas.openxmlformats.org/presentationml/2006/main" xmlns:c="http://schemas.openxmlformats.org/drawingml/2006/chart" xmlns:dgm="http://schemas.openxmlformats.org/drawingml/2006/diagram" xmlns:o="urn:schemas-microsoft-com:office:office" xmlns:v="urn:schemas-microsoft-com:vml" xmlns:pvml="urn:schemas-microsoft-com:office:powerpoint" xmlns:com="http://schemas.openxmlformats.org/drawingml/2006/compatibility" xmlns:p14="http://schemas.microsoft.com/office/powerpoint/2010/main" showMasterPhAnim="0" showMasterSp="0">
+  <p:cSld>
+    <p:spTree>
+      <p:nvGrpSpPr>
+        <p:cNvPr id="268" name="Shape 268"/>
+        <p:cNvGrpSpPr/>
+        <p:nvPr/>
+      </p:nvGrpSpPr>
+      <p:grpSpPr>
+        <a:xfrm>
+          <a:off x="0" y="0"/>
+          <a:ext cx="0" cy="0"/>
+          <a:chOff x="0" y="0"/>
+          <a:chExt cx="0" cy="0"/>
+        </a:xfrm>
+      </p:grpSpPr>
+      <p:sp>
+        <p:nvSpPr>
+          <p:cNvPr id="269" name="Shape 269"/>
+          <p:cNvSpPr/>
+          <p:nvPr>
+            <p:ph idx="2" type="sldImg"/>
+          </p:nvPr>
+        </p:nvSpPr>
+        <p:spPr>
+          <a:xfrm>
+            <a:off x="382587" y="685800"/>
+            <a:ext cx="6092700" cy="3429000"/>
+          </a:xfrm>
+          <a:custGeom>
+            <a:pathLst>
+              <a:path extrusionOk="0" h="120000" w="120000">
+                <a:moveTo>
+                  <a:pt x="0" y="0"/>
+                </a:moveTo>
+                <a:lnTo>
+                  <a:pt x="120000" y="0"/>
+                </a:lnTo>
+                <a:lnTo>
+                  <a:pt x="120000" y="120000"/>
+                </a:lnTo>
+                <a:lnTo>
+                  <a:pt x="0" y="120000"/>
+                </a:lnTo>
+                <a:close/>
+              </a:path>
+            </a:pathLst>
+          </a:custGeom>
+          <a:noFill/>
+          <a:ln cap="flat" cmpd="sng" w="12700">
+            <a:solidFill>
+              <a:srgbClr val="000000"/>
+            </a:solidFill>
+            <a:prstDash val="solid"/>
+            <a:round/>
+            <a:headEnd len="med" w="med" type="none"/>
+            <a:tailEnd len="med" w="med" type="none"/>
+          </a:ln>
+        </p:spPr>
+      </p:sp>
+      <p:sp>
+        <p:nvSpPr>
+          <p:cNvPr id="270" name="Shape 270"/>
+          <p:cNvSpPr txBox="1"/>
+          <p:nvPr>
+            <p:ph idx="1" type="body"/>
+          </p:nvPr>
+        </p:nvSpPr>
+        <p:spPr>
+          <a:xfrm>
+            <a:off x="685800" y="4343400"/>
+            <a:ext cx="5486400" cy="4114800"/>
+          </a:xfrm>
+          <a:prstGeom prst="rect">
+            <a:avLst/>
+          </a:prstGeom>
+          <a:noFill/>
+          <a:ln>
+            <a:noFill/>
+          </a:ln>
+        </p:spPr>
+        <p:txBody>
+          <a:bodyPr anchorCtr="0" anchor="t" bIns="45700" lIns="91425" rIns="91425" tIns="45700">
+            <a:noAutofit/>
+          </a:bodyPr>
+          <a:lstStyle/>
+          <a:p>
+            <a:pPr indent="0" lvl="0" marL="0" marR="0" rtl="0" algn="l">
+              <a:spcBef>
+                <a:spcPts val="0"/>
+              </a:spcBef>
+              <a:buSzPct val="25000"/>
+              <a:buNone/>
+            </a:pPr>
+            <a:r>
+              <a:t/>
+            </a:r>
+            <a:endParaRPr b="0" i="0" sz="1200" u="none" cap="none" strike="noStrike">
+              <a:solidFill>
+                <a:schemeClr val="dk2"/>
+              </a:solidFill>
+              <a:latin typeface="Source Sans Pro"/>
+              <a:ea typeface="Source Sans Pro"/>
+              <a:cs typeface="Source Sans Pro"/>
+              <a:sym typeface="Source Sans Pro"/>
+            </a:endParaRPr>
+          </a:p>
+        </p:txBody>
+      </p:sp>
+      <p:sp>
+        <p:nvSpPr>
+          <p:cNvPr id="271" name="Shape 271"/>
+          <p:cNvSpPr txBox="1"/>
+          <p:nvPr>
+            <p:ph idx="12" type="sldNum"/>
+          </p:nvPr>
+        </p:nvSpPr>
+        <p:spPr>
+          <a:xfrm>
+            <a:off x="3884612" y="8685213"/>
+            <a:ext cx="2971800" cy="457200"/>
+          </a:xfrm>
+          <a:prstGeom prst="rect">
+            <a:avLst/>
+          </a:prstGeom>
+          <a:noFill/>
+          <a:ln>
+            <a:noFill/>
+          </a:ln>
+        </p:spPr>
+        <p:txBody>
+          <a:bodyPr anchorCtr="0" anchor="b" bIns="45700" lIns="91425" rIns="91425" tIns="45700">
+            <a:noAutofit/>
+          </a:bodyPr>
+          <a:lstStyle/>
+          <a:p>
+            <a:pPr indent="0" lvl="0" marL="0" marR="0" rtl="0" algn="r">
+              <a:spcBef>
+                <a:spcPts val="0"/>
+              </a:spcBef>
+              <a:buSzPct val="25000"/>
+              <a:buNone/>
+            </a:pPr>
+            <a:fld id="{00000000-1234-1234-1234-123412341234}" type="slidenum">
+              <a:rPr b="0" i="0" lang="en-US" sz="1200" u="none" cap="none" strike="noStrike">
+                <a:solidFill>
+                  <a:schemeClr val="dk1"/>
+                </a:solidFill>
+                <a:latin typeface="Source Sans Pro"/>
+                <a:ea typeface="Source Sans Pro"/>
+                <a:cs typeface="Source Sans Pro"/>
+                <a:sym typeface="Source Sans Pro"/>
+              </a:rPr>
+              <a:t>‹#›</a:t>
+            </a:fld>
+          </a:p>
+        </p:txBody>
+      </p:sp>
+    </p:spTree>
+  </p:cSld>
+  <p:clrMapOvr>
+    <a:masterClrMapping/>
+  </p:clrMapOvr>
+</p:notes>
+</file>
+
+<file path=ppt/notesSlides/notesSlide26.xml><?xml version="1.0" encoding="utf-8"?>
+<p:notes xmlns:a="http://schemas.openxmlformats.org/drawingml/2006/main" xmlns:r="http://schemas.openxmlformats.org/officeDocument/2006/relationships" xmlns:mc="http://schemas.openxmlformats.org/markup-compatibility/2006" xmlns:mv="urn:schemas-microsoft-com:mac:vml" xmlns:p="http://schemas.openxmlformats.org/presentationml/2006/main" xmlns:c="http://schemas.openxmlformats.org/drawingml/2006/chart" xmlns:dgm="http://schemas.openxmlformats.org/drawingml/2006/diagram" xmlns:o="urn:schemas-microsoft-com:office:office" xmlns:v="urn:schemas-microsoft-com:vml" xmlns:pvml="urn:schemas-microsoft-com:office:powerpoint" xmlns:com="http://schemas.openxmlformats.org/drawingml/2006/compatibility" xmlns:p14="http://schemas.microsoft.com/office/powerpoint/2010/main" showMasterPhAnim="0" showMasterSp="0">
+  <p:cSld>
+    <p:spTree>
+      <p:nvGrpSpPr>
+        <p:cNvPr id="275" name="Shape 275"/>
+        <p:cNvGrpSpPr/>
+        <p:nvPr/>
+      </p:nvGrpSpPr>
+      <p:grpSpPr>
+        <a:xfrm>
+          <a:off x="0" y="0"/>
+          <a:ext cx="0" cy="0"/>
+          <a:chOff x="0" y="0"/>
+          <a:chExt cx="0" cy="0"/>
+        </a:xfrm>
+      </p:grpSpPr>
+      <p:sp>
+        <p:nvSpPr>
+          <p:cNvPr id="276" name="Shape 276"/>
+          <p:cNvSpPr/>
+          <p:nvPr>
+            <p:ph idx="2" type="sldImg"/>
+          </p:nvPr>
+        </p:nvSpPr>
+        <p:spPr>
+          <a:xfrm>
+            <a:off x="382587" y="685800"/>
+            <a:ext cx="6092700" cy="3429000"/>
+          </a:xfrm>
+          <a:custGeom>
+            <a:pathLst>
+              <a:path extrusionOk="0" h="120000" w="120000">
+                <a:moveTo>
+                  <a:pt x="0" y="0"/>
+                </a:moveTo>
+                <a:lnTo>
+                  <a:pt x="120000" y="0"/>
+                </a:lnTo>
+                <a:lnTo>
+                  <a:pt x="120000" y="120000"/>
+                </a:lnTo>
+                <a:lnTo>
+                  <a:pt x="0" y="120000"/>
+                </a:lnTo>
+                <a:close/>
+              </a:path>
+            </a:pathLst>
+          </a:custGeom>
+          <a:noFill/>
+          <a:ln cap="flat" cmpd="sng" w="12700">
+            <a:solidFill>
+              <a:srgbClr val="000000"/>
+            </a:solidFill>
+            <a:prstDash val="solid"/>
+            <a:round/>
+            <a:headEnd len="med" w="med" type="none"/>
+            <a:tailEnd len="med" w="med" type="none"/>
+          </a:ln>
+        </p:spPr>
+      </p:sp>
+      <p:sp>
+        <p:nvSpPr>
+          <p:cNvPr id="277" name="Shape 277"/>
+          <p:cNvSpPr txBox="1"/>
+          <p:nvPr>
+            <p:ph idx="1" type="body"/>
+          </p:nvPr>
+        </p:nvSpPr>
+        <p:spPr>
+          <a:xfrm>
+            <a:off x="685800" y="4343400"/>
+            <a:ext cx="5486400" cy="4114800"/>
+          </a:xfrm>
+          <a:prstGeom prst="rect">
+            <a:avLst/>
+          </a:prstGeom>
+          <a:noFill/>
+          <a:ln>
+            <a:noFill/>
+          </a:ln>
+        </p:spPr>
+        <p:txBody>
+          <a:bodyPr anchorCtr="0" anchor="t" bIns="45700" lIns="91425" rIns="91425" tIns="45700">
+            <a:noAutofit/>
+          </a:bodyPr>
+          <a:lstStyle/>
+          <a:p>
+            <a:pPr indent="0" lvl="0" marL="0" marR="0" rtl="0" algn="l">
+              <a:spcBef>
+                <a:spcPts val="0"/>
+              </a:spcBef>
+              <a:buSzPct val="25000"/>
+              <a:buNone/>
+            </a:pPr>
+            <a:r>
+              <a:t/>
+            </a:r>
+            <a:endParaRPr b="0" i="0" sz="1200" u="none" cap="none" strike="noStrike">
+              <a:solidFill>
+                <a:schemeClr val="dk2"/>
+              </a:solidFill>
+              <a:latin typeface="Source Sans Pro"/>
+              <a:ea typeface="Source Sans Pro"/>
+              <a:cs typeface="Source Sans Pro"/>
+              <a:sym typeface="Source Sans Pro"/>
+            </a:endParaRPr>
+          </a:p>
+        </p:txBody>
+      </p:sp>
+      <p:sp>
+        <p:nvSpPr>
+          <p:cNvPr id="278" name="Shape 278"/>
+          <p:cNvSpPr txBox="1"/>
+          <p:nvPr>
+            <p:ph idx="12" type="sldNum"/>
+          </p:nvPr>
+        </p:nvSpPr>
+        <p:spPr>
+          <a:xfrm>
+            <a:off x="3884612" y="8685213"/>
+            <a:ext cx="2971800" cy="457200"/>
+          </a:xfrm>
+          <a:prstGeom prst="rect">
+            <a:avLst/>
+          </a:prstGeom>
+          <a:noFill/>
+          <a:ln>
+            <a:noFill/>
+          </a:ln>
+        </p:spPr>
+        <p:txBody>
+          <a:bodyPr anchorCtr="0" anchor="b" bIns="45700" lIns="91425" rIns="91425" tIns="45700">
+            <a:noAutofit/>
+          </a:bodyPr>
+          <a:lstStyle/>
+          <a:p>
+            <a:pPr indent="0" lvl="0" marL="0" marR="0" rtl="0" algn="r">
+              <a:spcBef>
+                <a:spcPts val="0"/>
+              </a:spcBef>
+              <a:buSzPct val="25000"/>
+              <a:buNone/>
+            </a:pPr>
+            <a:fld id="{00000000-1234-1234-1234-123412341234}" type="slidenum">
+              <a:rPr b="0" i="0" lang="en-US" sz="1200" u="none" cap="none" strike="noStrike">
+                <a:solidFill>
+                  <a:schemeClr val="dk1"/>
+                </a:solidFill>
+                <a:latin typeface="Source Sans Pro"/>
+                <a:ea typeface="Source Sans Pro"/>
+                <a:cs typeface="Source Sans Pro"/>
+                <a:sym typeface="Source Sans Pro"/>
+              </a:rPr>
+              <a:t>‹#›</a:t>
+            </a:fld>
+          </a:p>
+        </p:txBody>
+      </p:sp>
+    </p:spTree>
+  </p:cSld>
+  <p:clrMapOvr>
+    <a:masterClrMapping/>
+  </p:clrMapOvr>
+</p:notes>
+</file>
+
+<file path=ppt/notesSlides/notesSlide27.xml><?xml version="1.0" encoding="utf-8"?>
+<p:notes xmlns:a="http://schemas.openxmlformats.org/drawingml/2006/main" xmlns:r="http://schemas.openxmlformats.org/officeDocument/2006/relationships" xmlns:mc="http://schemas.openxmlformats.org/markup-compatibility/2006" xmlns:mv="urn:schemas-microsoft-com:mac:vml" xmlns:p="http://schemas.openxmlformats.org/presentationml/2006/main" xmlns:c="http://schemas.openxmlformats.org/drawingml/2006/chart" xmlns:dgm="http://schemas.openxmlformats.org/drawingml/2006/diagram" xmlns:o="urn:schemas-microsoft-com:office:office" xmlns:v="urn:schemas-microsoft-com:vml" xmlns:pvml="urn:schemas-microsoft-com:office:powerpoint" xmlns:com="http://schemas.openxmlformats.org/drawingml/2006/compatibility" xmlns:p14="http://schemas.microsoft.com/office/powerpoint/2010/main" showMasterPhAnim="0" showMasterSp="0">
+  <p:cSld>
+    <p:spTree>
+      <p:nvGrpSpPr>
+        <p:cNvPr id="282" name="Shape 282"/>
+        <p:cNvGrpSpPr/>
+        <p:nvPr/>
+      </p:nvGrpSpPr>
+      <p:grpSpPr>
+        <a:xfrm>
+          <a:off x="0" y="0"/>
+          <a:ext cx="0" cy="0"/>
+          <a:chOff x="0" y="0"/>
+          <a:chExt cx="0" cy="0"/>
+        </a:xfrm>
+      </p:grpSpPr>
+      <p:sp>
+        <p:nvSpPr>
+          <p:cNvPr id="283" name="Shape 283"/>
+          <p:cNvSpPr txBox="1"/>
+          <p:nvPr>
+            <p:ph idx="1" type="body"/>
+          </p:nvPr>
+        </p:nvSpPr>
+        <p:spPr>
+          <a:xfrm>
+            <a:off x="685800" y="4343400"/>
+            <a:ext cx="5486400" cy="4114800"/>
+          </a:xfrm>
+          <a:prstGeom prst="rect">
+            <a:avLst/>
+          </a:prstGeom>
+        </p:spPr>
+        <p:txBody>
+          <a:bodyPr anchorCtr="0" anchor="t" bIns="91425" lIns="91425" rIns="91425" tIns="91425">
+            <a:noAutofit/>
+          </a:bodyPr>
+          <a:lstStyle/>
+          <a:p>
+            <a:pPr lvl="0" rtl="0">
+              <a:spcBef>
+                <a:spcPts val="0"/>
+              </a:spcBef>
+              <a:buNone/>
+            </a:pPr>
+            <a:r>
+              <a:t/>
+            </a:r>
+            <a:endParaRPr/>
+          </a:p>
+        </p:txBody>
+      </p:sp>
+      <p:sp>
+        <p:nvSpPr>
+          <p:cNvPr id="284" name="Shape 284"/>
+          <p:cNvSpPr/>
+          <p:nvPr>
+            <p:ph idx="2" type="sldImg"/>
+          </p:nvPr>
+        </p:nvSpPr>
+        <p:spPr>
+          <a:xfrm>
+            <a:off x="382587" y="685800"/>
+            <a:ext cx="6092700" cy="3429000"/>
+          </a:xfrm>
+          <a:custGeom>
+            <a:pathLst>
+              <a:path extrusionOk="0" h="120000" w="120000">
+                <a:moveTo>
+                  <a:pt x="0" y="0"/>
+                </a:moveTo>
+                <a:lnTo>
+                  <a:pt x="120000" y="0"/>
+                </a:lnTo>
+                <a:lnTo>
+                  <a:pt x="120000" y="120000"/>
+                </a:lnTo>
+                <a:lnTo>
+                  <a:pt x="0" y="120000"/>
+                </a:lnTo>
+                <a:close/>
+              </a:path>
+            </a:pathLst>
+          </a:custGeom>
+        </p:spPr>
+      </p:sp>
+    </p:spTree>
+  </p:cSld>
+  <p:clrMapOvr>
+    <a:masterClrMapping/>
+  </p:clrMapOvr>
+</p:notes>
+</file>
+
+<file path=ppt/notesSlides/notesSlide28.xml><?xml version="1.0" encoding="utf-8"?>
+<p:notes xmlns:a="http://schemas.openxmlformats.org/drawingml/2006/main" xmlns:r="http://schemas.openxmlformats.org/officeDocument/2006/relationships" xmlns:mc="http://schemas.openxmlformats.org/markup-compatibility/2006" xmlns:mv="urn:schemas-microsoft-com:mac:vml" xmlns:p="http://schemas.openxmlformats.org/presentationml/2006/main" xmlns:c="http://schemas.openxmlformats.org/drawingml/2006/chart" xmlns:dgm="http://schemas.openxmlformats.org/drawingml/2006/diagram" xmlns:o="urn:schemas-microsoft-com:office:office" xmlns:v="urn:schemas-microsoft-com:vml" xmlns:pvml="urn:schemas-microsoft-com:office:powerpoint" xmlns:com="http://schemas.openxmlformats.org/drawingml/2006/compatibility" xmlns:p14="http://schemas.microsoft.com/office/powerpoint/2010/main" showMasterPhAnim="0" showMasterSp="0">
+  <p:cSld>
+    <p:spTree>
+      <p:nvGrpSpPr>
+        <p:cNvPr id="289" name="Shape 289"/>
+        <p:cNvGrpSpPr/>
+        <p:nvPr/>
+      </p:nvGrpSpPr>
+      <p:grpSpPr>
+        <a:xfrm>
+          <a:off x="0" y="0"/>
+          <a:ext cx="0" cy="0"/>
+          <a:chOff x="0" y="0"/>
+          <a:chExt cx="0" cy="0"/>
+        </a:xfrm>
+      </p:grpSpPr>
+      <p:sp>
+        <p:nvSpPr>
+          <p:cNvPr id="290" name="Shape 290"/>
+          <p:cNvSpPr/>
+          <p:nvPr>
+            <p:ph idx="2" type="sldImg"/>
+          </p:nvPr>
+        </p:nvSpPr>
+        <p:spPr>
+          <a:xfrm>
+            <a:off x="382587" y="685800"/>
+            <a:ext cx="6092700" cy="3429000"/>
+          </a:xfrm>
+          <a:custGeom>
+            <a:pathLst>
+              <a:path extrusionOk="0" h="120000" w="120000">
+                <a:moveTo>
+                  <a:pt x="0" y="0"/>
+                </a:moveTo>
+                <a:lnTo>
+                  <a:pt x="120000" y="0"/>
+                </a:lnTo>
+                <a:lnTo>
+                  <a:pt x="120000" y="120000"/>
+                </a:lnTo>
+                <a:lnTo>
+                  <a:pt x="0" y="120000"/>
+                </a:lnTo>
+                <a:close/>
+              </a:path>
+            </a:pathLst>
+          </a:custGeom>
+          <a:noFill/>
+          <a:ln cap="flat" cmpd="sng" w="12700">
+            <a:solidFill>
+              <a:srgbClr val="000000"/>
+            </a:solidFill>
+            <a:prstDash val="solid"/>
+            <a:round/>
+            <a:headEnd len="med" w="med" type="none"/>
+            <a:tailEnd len="med" w="med" type="none"/>
+          </a:ln>
+        </p:spPr>
+      </p:sp>
+      <p:sp>
+        <p:nvSpPr>
+          <p:cNvPr id="291" name="Shape 291"/>
+          <p:cNvSpPr txBox="1"/>
+          <p:nvPr>
+            <p:ph idx="1" type="body"/>
+          </p:nvPr>
+        </p:nvSpPr>
+        <p:spPr>
+          <a:xfrm>
+            <a:off x="685800" y="4343400"/>
+            <a:ext cx="5486400" cy="4114800"/>
+          </a:xfrm>
+          <a:prstGeom prst="rect">
+            <a:avLst/>
+          </a:prstGeom>
+          <a:noFill/>
+          <a:ln>
+            <a:noFill/>
+          </a:ln>
+        </p:spPr>
+        <p:txBody>
+          <a:bodyPr anchorCtr="0" anchor="t" bIns="45700" lIns="91425" rIns="91425" tIns="45700">
+            <a:noAutofit/>
+          </a:bodyPr>
+          <a:lstStyle/>
+          <a:p>
+            <a:pPr indent="0" lvl="0" marL="0" marR="0" rtl="0" algn="l">
+              <a:spcBef>
+                <a:spcPts val="0"/>
+              </a:spcBef>
+              <a:buSzPct val="25000"/>
+              <a:buNone/>
+            </a:pPr>
+            <a:r>
+              <a:t/>
+            </a:r>
+            <a:endParaRPr b="0" i="0" sz="1200" u="none" cap="none" strike="noStrike">
+              <a:solidFill>
+                <a:schemeClr val="dk2"/>
+              </a:solidFill>
+              <a:latin typeface="Source Sans Pro"/>
+              <a:ea typeface="Source Sans Pro"/>
+              <a:cs typeface="Source Sans Pro"/>
+              <a:sym typeface="Source Sans Pro"/>
+            </a:endParaRPr>
+          </a:p>
+        </p:txBody>
+      </p:sp>
+      <p:sp>
+        <p:nvSpPr>
+          <p:cNvPr id="292" name="Shape 292"/>
+          <p:cNvSpPr txBox="1"/>
+          <p:nvPr>
+            <p:ph idx="12" type="sldNum"/>
+          </p:nvPr>
+        </p:nvSpPr>
+        <p:spPr>
+          <a:xfrm>
+            <a:off x="3884612" y="8685213"/>
+            <a:ext cx="2971800" cy="457200"/>
+          </a:xfrm>
+          <a:prstGeom prst="rect">
+            <a:avLst/>
+          </a:prstGeom>
+          <a:noFill/>
+          <a:ln>
+            <a:noFill/>
+          </a:ln>
+        </p:spPr>
+        <p:txBody>
+          <a:bodyPr anchorCtr="0" anchor="b" bIns="45700" lIns="91425" rIns="91425" tIns="45700">
+            <a:noAutofit/>
+          </a:bodyPr>
+          <a:lstStyle/>
+          <a:p>
+            <a:pPr indent="0" lvl="0" marL="0" marR="0" rtl="0" algn="r">
+              <a:spcBef>
+                <a:spcPts val="0"/>
+              </a:spcBef>
+              <a:buSzPct val="25000"/>
+              <a:buNone/>
+            </a:pPr>
+            <a:fld id="{00000000-1234-1234-1234-123412341234}" type="slidenum">
+              <a:rPr b="0" i="0" lang="en-US" sz="1200" u="none" cap="none" strike="noStrike">
+                <a:solidFill>
+                  <a:schemeClr val="dk1"/>
+                </a:solidFill>
+                <a:latin typeface="Source Sans Pro"/>
+                <a:ea typeface="Source Sans Pro"/>
+                <a:cs typeface="Source Sans Pro"/>
+                <a:sym typeface="Source Sans Pro"/>
+              </a:rPr>
+              <a:t>‹#›</a:t>
+            </a:fld>
+          </a:p>
+        </p:txBody>
+      </p:sp>
+    </p:spTree>
+  </p:cSld>
+  <p:clrMapOvr>
+    <a:masterClrMapping/>
+  </p:clrMapOvr>
+</p:notes>
+</file>
+
+<file path=ppt/notesSlides/notesSlide29.xml><?xml version="1.0" encoding="utf-8"?>
+<p:notes xmlns:a="http://schemas.openxmlformats.org/drawingml/2006/main" xmlns:r="http://schemas.openxmlformats.org/officeDocument/2006/relationships" xmlns:mc="http://schemas.openxmlformats.org/markup-compatibility/2006" xmlns:mv="urn:schemas-microsoft-com:mac:vml" xmlns:p="http://schemas.openxmlformats.org/presentationml/2006/main" xmlns:c="http://schemas.openxmlformats.org/drawingml/2006/chart" xmlns:dgm="http://schemas.openxmlformats.org/drawingml/2006/diagram" xmlns:o="urn:schemas-microsoft-com:office:office" xmlns:v="urn:schemas-microsoft-com:vml" xmlns:pvml="urn:schemas-microsoft-com:office:powerpoint" xmlns:com="http://schemas.openxmlformats.org/drawingml/2006/compatibility" xmlns:p14="http://schemas.microsoft.com/office/powerpoint/2010/main" showMasterPhAnim="0" showMasterSp="0">
+  <p:cSld>
+    <p:spTree>
+      <p:nvGrpSpPr>
+        <p:cNvPr id="296" name="Shape 296"/>
+        <p:cNvGrpSpPr/>
+        <p:nvPr/>
+      </p:nvGrpSpPr>
+      <p:grpSpPr>
+        <a:xfrm>
+          <a:off x="0" y="0"/>
+          <a:ext cx="0" cy="0"/>
+          <a:chOff x="0" y="0"/>
+          <a:chExt cx="0" cy="0"/>
+        </a:xfrm>
+      </p:grpSpPr>
+      <p:sp>
+        <p:nvSpPr>
+          <p:cNvPr id="297" name="Shape 297"/>
+          <p:cNvSpPr/>
+          <p:nvPr>
+            <p:ph idx="2" type="sldImg"/>
+          </p:nvPr>
+        </p:nvSpPr>
+        <p:spPr>
+          <a:xfrm>
+            <a:off x="382587" y="685800"/>
+            <a:ext cx="6092700" cy="3429000"/>
+          </a:xfrm>
+          <a:custGeom>
+            <a:pathLst>
+              <a:path extrusionOk="0" h="120000" w="120000">
+                <a:moveTo>
+                  <a:pt x="0" y="0"/>
+                </a:moveTo>
+                <a:lnTo>
+                  <a:pt x="120000" y="0"/>
+                </a:lnTo>
+                <a:lnTo>
+                  <a:pt x="120000" y="120000"/>
+                </a:lnTo>
+                <a:lnTo>
+                  <a:pt x="0" y="120000"/>
+                </a:lnTo>
+                <a:close/>
+              </a:path>
+            </a:pathLst>
+          </a:custGeom>
+          <a:noFill/>
+          <a:ln cap="flat" cmpd="sng" w="12700">
+            <a:solidFill>
+              <a:srgbClr val="000000"/>
+            </a:solidFill>
+            <a:prstDash val="solid"/>
+            <a:round/>
+            <a:headEnd len="med" w="med" type="none"/>
+            <a:tailEnd len="med" w="med" type="none"/>
+          </a:ln>
+        </p:spPr>
+      </p:sp>
+      <p:sp>
+        <p:nvSpPr>
+          <p:cNvPr id="298" name="Shape 298"/>
+          <p:cNvSpPr txBox="1"/>
+          <p:nvPr>
+            <p:ph idx="1" type="body"/>
+          </p:nvPr>
+        </p:nvSpPr>
+        <p:spPr>
+          <a:xfrm>
+            <a:off x="685800" y="4343400"/>
+            <a:ext cx="5486400" cy="4114800"/>
+          </a:xfrm>
+          <a:prstGeom prst="rect">
+            <a:avLst/>
+          </a:prstGeom>
+          <a:noFill/>
+          <a:ln>
+            <a:noFill/>
+          </a:ln>
+        </p:spPr>
+        <p:txBody>
+          <a:bodyPr anchorCtr="0" anchor="t" bIns="45700" lIns="91425" rIns="91425" tIns="45700">
+            <a:noAutofit/>
+          </a:bodyPr>
+          <a:lstStyle/>
+          <a:p>
+            <a:pPr indent="0" lvl="0" marL="0" marR="0" rtl="0" algn="l">
+              <a:spcBef>
+                <a:spcPts val="0"/>
+              </a:spcBef>
+              <a:buSzPct val="25000"/>
+              <a:buNone/>
+            </a:pPr>
+            <a:r>
+              <a:t/>
+            </a:r>
+            <a:endParaRPr b="0" i="0" sz="1200" u="none" cap="none" strike="noStrike">
+              <a:solidFill>
+                <a:schemeClr val="dk2"/>
+              </a:solidFill>
+              <a:latin typeface="Source Sans Pro"/>
+              <a:ea typeface="Source Sans Pro"/>
+              <a:cs typeface="Source Sans Pro"/>
+              <a:sym typeface="Source Sans Pro"/>
+            </a:endParaRPr>
+          </a:p>
+        </p:txBody>
+      </p:sp>
+      <p:sp>
+        <p:nvSpPr>
+          <p:cNvPr id="299" name="Shape 299"/>
           <p:cNvSpPr txBox="1"/>
           <p:nvPr>
             <p:ph idx="12" type="sldNum"/>
@@ -18090,7 +19458,7 @@
             <a:tbl>
               <a:tblPr bandRow="1" firstRow="1">
                 <a:noFill/>
-                <a:tableStyleId>{3CBE4C5E-2ECF-4EE9-B3C8-DE75D65C620D}</a:tableStyleId>
+                <a:tableStyleId>{57789A62-1ACC-4FE8-AD1D-7B51C1B918E5}</a:tableStyleId>
               </a:tblPr>
               <a:tblGrid>
                 <a:gridCol w="1524000"/>
@@ -18718,6 +20086,2282 @@
               </a:rPr>
               <a:t>5 MIN</a:t>
             </a:r>
+          </a:p>
+        </p:txBody>
+      </p:sp>
+    </p:spTree>
+  </p:cSld>
+  <p:clrMapOvr>
+    <a:masterClrMapping/>
+  </p:clrMapOvr>
+  <p:transition spd="med">
+    <p:fade/>
+  </p:transition>
+</p:sld>
+</file>
+
+<file path=ppt/slides/slide21.xml><?xml version="1.0" encoding="utf-8"?>
+<p:sld xmlns:a="http://schemas.openxmlformats.org/drawingml/2006/main" xmlns:r="http://schemas.openxmlformats.org/officeDocument/2006/relationships" xmlns:mc="http://schemas.openxmlformats.org/markup-compatibility/2006" xmlns:mv="urn:schemas-microsoft-com:mac:vml" xmlns:p="http://schemas.openxmlformats.org/presentationml/2006/main" xmlns:c="http://schemas.openxmlformats.org/drawingml/2006/chart" xmlns:dgm="http://schemas.openxmlformats.org/drawingml/2006/diagram" xmlns:o="urn:schemas-microsoft-com:office:office" xmlns:v="urn:schemas-microsoft-com:vml" xmlns:pvml="urn:schemas-microsoft-com:office:powerpoint" xmlns:com="http://schemas.openxmlformats.org/drawingml/2006/compatibility" xmlns:p14="http://schemas.microsoft.com/office/powerpoint/2010/main">
+  <p:cSld>
+    <p:spTree>
+      <p:nvGrpSpPr>
+        <p:cNvPr id="243" name="Shape 243"/>
+        <p:cNvGrpSpPr/>
+        <p:nvPr/>
+      </p:nvGrpSpPr>
+      <p:grpSpPr>
+        <a:xfrm>
+          <a:off x="0" y="0"/>
+          <a:ext cx="0" cy="0"/>
+          <a:chOff x="0" y="0"/>
+          <a:chExt cx="0" cy="0"/>
+        </a:xfrm>
+      </p:grpSpPr>
+      <p:sp>
+        <p:nvSpPr>
+          <p:cNvPr id="244" name="Shape 244"/>
+          <p:cNvSpPr txBox="1"/>
+          <p:nvPr>
+            <p:ph idx="1" type="body"/>
+          </p:nvPr>
+        </p:nvSpPr>
+        <p:spPr>
+          <a:xfrm>
+            <a:off x="6824328" y="1600200"/>
+            <a:ext cx="4572000" cy="4572000"/>
+          </a:xfrm>
+          <a:prstGeom prst="rect">
+            <a:avLst/>
+          </a:prstGeom>
+          <a:noFill/>
+          <a:ln>
+            <a:noFill/>
+          </a:ln>
+        </p:spPr>
+        <p:txBody>
+          <a:bodyPr anchorCtr="0" anchor="t" bIns="45700" lIns="91425" rIns="91425" tIns="45700">
+            <a:noAutofit/>
+          </a:bodyPr>
+          <a:lstStyle/>
+          <a:p>
+            <a:pPr indent="-246888" lvl="0" marL="246888" marR="0" rtl="0" algn="l">
+              <a:lnSpc>
+                <a:spcPct val="90000"/>
+              </a:lnSpc>
+              <a:spcBef>
+                <a:spcPts val="0"/>
+              </a:spcBef>
+              <a:buClr>
+                <a:schemeClr val="dk1"/>
+              </a:buClr>
+              <a:buSzPct val="100000"/>
+              <a:buFont typeface="Arial"/>
+              <a:buChar char="›"/>
+            </a:pPr>
+            <a:r>
+              <a:rPr b="0" i="0" lang="en-US" sz="2800" u="none" cap="none" strike="noStrike">
+                <a:solidFill>
+                  <a:schemeClr val="dk1"/>
+                </a:solidFill>
+                <a:latin typeface="Calibri"/>
+                <a:ea typeface="Calibri"/>
+                <a:cs typeface="Calibri"/>
+                <a:sym typeface="Calibri"/>
+              </a:rPr>
+              <a:t>EVERY 5 MIN</a:t>
+            </a:r>
+          </a:p>
+        </p:txBody>
+      </p:sp>
+      <p:graphicFrame>
+        <p:nvGraphicFramePr>
+          <p:cNvPr id="245" name="Shape 245" title="Table sample"/>
+          <p:cNvGraphicFramePr/>
+          <p:nvPr/>
+        </p:nvGraphicFramePr>
+        <p:xfrm>
+          <a:off x="1935163" y="1600200"/>
+          <a:ext cx="3000000" cy="3000000"/>
+        </p:xfrm>
+        <a:graphic>
+          <a:graphicData uri="http://schemas.openxmlformats.org/drawingml/2006/table">
+            <a:tbl>
+              <a:tblPr bandRow="1" firstRow="1">
+                <a:noFill/>
+                <a:tableStyleId>{57789A62-1ACC-4FE8-AD1D-7B51C1B918E5}</a:tableStyleId>
+              </a:tblPr>
+              <a:tblGrid>
+                <a:gridCol w="1524000"/>
+                <a:gridCol w="1524000"/>
+                <a:gridCol w="1524000"/>
+              </a:tblGrid>
+              <a:tr h="520700">
+                <a:tc>
+                  <a:txBody>
+                    <a:bodyPr>
+                      <a:noAutofit/>
+                    </a:bodyPr>
+                    <a:lstStyle/>
+                    <a:p>
+                      <a:pPr indent="0" lvl="0" marL="0" marR="0" rtl="0" algn="l">
+                        <a:spcBef>
+                          <a:spcPts val="0"/>
+                        </a:spcBef>
+                        <a:buSzPct val="25000"/>
+                        <a:buNone/>
+                      </a:pPr>
+                      <a:r>
+                        <a:t/>
+                      </a:r>
+                      <a:endParaRPr sz="1800"/>
+                    </a:p>
+                  </a:txBody>
+                  <a:tcPr marT="45725" marB="45725" marR="87575" marL="87575" anchor="ctr"/>
+                </a:tc>
+                <a:tc>
+                  <a:txBody>
+                    <a:bodyPr>
+                      <a:noAutofit/>
+                    </a:bodyPr>
+                    <a:lstStyle/>
+                    <a:p>
+                      <a:pPr indent="0" lvl="0" marL="0" marR="0" rtl="0" algn="ctr">
+                        <a:spcBef>
+                          <a:spcPts val="0"/>
+                        </a:spcBef>
+                        <a:buSzPct val="25000"/>
+                        <a:buNone/>
+                      </a:pPr>
+                      <a:r>
+                        <a:rPr lang="en-US" sz="1800"/>
+                        <a:t>Group A</a:t>
+                      </a:r>
+                    </a:p>
+                  </a:txBody>
+                  <a:tcPr marT="45725" marB="45725" marR="87575" marL="87575" anchor="ctr"/>
+                </a:tc>
+                <a:tc>
+                  <a:txBody>
+                    <a:bodyPr>
+                      <a:noAutofit/>
+                    </a:bodyPr>
+                    <a:lstStyle/>
+                    <a:p>
+                      <a:pPr indent="0" lvl="0" marL="0" marR="0" rtl="0" algn="ctr">
+                        <a:spcBef>
+                          <a:spcPts val="0"/>
+                        </a:spcBef>
+                        <a:buSzPct val="25000"/>
+                        <a:buNone/>
+                      </a:pPr>
+                      <a:r>
+                        <a:rPr lang="en-US" sz="1800"/>
+                        <a:t>Group B</a:t>
+                      </a:r>
+                    </a:p>
+                  </a:txBody>
+                  <a:tcPr marT="45725" marB="45725" marR="87575" marL="87575" anchor="ctr"/>
+                </a:tc>
+              </a:tr>
+              <a:tr h="520700">
+                <a:tc>
+                  <a:txBody>
+                    <a:bodyPr>
+                      <a:noAutofit/>
+                    </a:bodyPr>
+                    <a:lstStyle/>
+                    <a:p>
+                      <a:pPr indent="0" lvl="0" marL="0" marR="0" rtl="0" algn="l">
+                        <a:spcBef>
+                          <a:spcPts val="0"/>
+                        </a:spcBef>
+                        <a:buSzPct val="25000"/>
+                        <a:buNone/>
+                      </a:pPr>
+                      <a:r>
+                        <a:rPr lang="en-US" sz="1800"/>
+                        <a:t>Class 1</a:t>
+                      </a:r>
+                    </a:p>
+                  </a:txBody>
+                  <a:tcPr marT="45725" marB="45725" marR="87575" marL="87575" anchor="ctr"/>
+                </a:tc>
+                <a:tc>
+                  <a:txBody>
+                    <a:bodyPr>
+                      <a:noAutofit/>
+                    </a:bodyPr>
+                    <a:lstStyle/>
+                    <a:p>
+                      <a:pPr indent="0" lvl="0" marL="0" marR="0" rtl="0" algn="ctr">
+                        <a:spcBef>
+                          <a:spcPts val="0"/>
+                        </a:spcBef>
+                        <a:buSzPct val="25000"/>
+                        <a:buNone/>
+                      </a:pPr>
+                      <a:r>
+                        <a:rPr lang="en-US" sz="1800"/>
+                        <a:t>82</a:t>
+                      </a:r>
+                    </a:p>
+                  </a:txBody>
+                  <a:tcPr marT="45725" marB="45725" marR="87575" marL="87575" anchor="ctr"/>
+                </a:tc>
+                <a:tc>
+                  <a:txBody>
+                    <a:bodyPr>
+                      <a:noAutofit/>
+                    </a:bodyPr>
+                    <a:lstStyle/>
+                    <a:p>
+                      <a:pPr indent="0" lvl="0" marL="0" marR="0" rtl="0" algn="ctr">
+                        <a:spcBef>
+                          <a:spcPts val="0"/>
+                        </a:spcBef>
+                        <a:buSzPct val="25000"/>
+                        <a:buNone/>
+                      </a:pPr>
+                      <a:r>
+                        <a:rPr lang="en-US" sz="1800"/>
+                        <a:t>85</a:t>
+                      </a:r>
+                    </a:p>
+                  </a:txBody>
+                  <a:tcPr marT="45725" marB="45725" marR="87575" marL="87575" anchor="ctr"/>
+                </a:tc>
+              </a:tr>
+              <a:tr h="520700">
+                <a:tc>
+                  <a:txBody>
+                    <a:bodyPr>
+                      <a:noAutofit/>
+                    </a:bodyPr>
+                    <a:lstStyle/>
+                    <a:p>
+                      <a:pPr indent="0" lvl="0" marL="0" marR="0" rtl="0" algn="l">
+                        <a:spcBef>
+                          <a:spcPts val="0"/>
+                        </a:spcBef>
+                        <a:buSzPct val="25000"/>
+                        <a:buNone/>
+                      </a:pPr>
+                      <a:r>
+                        <a:rPr lang="en-US" sz="1800"/>
+                        <a:t>Class 2</a:t>
+                      </a:r>
+                    </a:p>
+                  </a:txBody>
+                  <a:tcPr marT="45725" marB="45725" marR="87575" marL="87575" anchor="ctr"/>
+                </a:tc>
+                <a:tc>
+                  <a:txBody>
+                    <a:bodyPr>
+                      <a:noAutofit/>
+                    </a:bodyPr>
+                    <a:lstStyle/>
+                    <a:p>
+                      <a:pPr indent="0" lvl="0" marL="0" marR="0" rtl="0" algn="ctr">
+                        <a:spcBef>
+                          <a:spcPts val="0"/>
+                        </a:spcBef>
+                        <a:buSzPct val="25000"/>
+                        <a:buNone/>
+                      </a:pPr>
+                      <a:r>
+                        <a:rPr lang="en-US" sz="1800"/>
+                        <a:t>76</a:t>
+                      </a:r>
+                    </a:p>
+                  </a:txBody>
+                  <a:tcPr marT="45725" marB="45725" marR="87575" marL="87575" anchor="ctr"/>
+                </a:tc>
+                <a:tc>
+                  <a:txBody>
+                    <a:bodyPr>
+                      <a:noAutofit/>
+                    </a:bodyPr>
+                    <a:lstStyle/>
+                    <a:p>
+                      <a:pPr indent="0" lvl="0" marL="0" marR="0" rtl="0" algn="ctr">
+                        <a:spcBef>
+                          <a:spcPts val="0"/>
+                        </a:spcBef>
+                        <a:buSzPct val="25000"/>
+                        <a:buNone/>
+                      </a:pPr>
+                      <a:r>
+                        <a:rPr lang="en-US" sz="1800"/>
+                        <a:t>88</a:t>
+                      </a:r>
+                    </a:p>
+                  </a:txBody>
+                  <a:tcPr marT="45725" marB="45725" marR="87575" marL="87575" anchor="ctr"/>
+                </a:tc>
+              </a:tr>
+              <a:tr h="520700">
+                <a:tc>
+                  <a:txBody>
+                    <a:bodyPr>
+                      <a:noAutofit/>
+                    </a:bodyPr>
+                    <a:lstStyle/>
+                    <a:p>
+                      <a:pPr indent="0" lvl="0" marL="0" marR="0" rtl="0" algn="l">
+                        <a:spcBef>
+                          <a:spcPts val="0"/>
+                        </a:spcBef>
+                        <a:buSzPct val="25000"/>
+                        <a:buNone/>
+                      </a:pPr>
+                      <a:r>
+                        <a:rPr lang="en-US" sz="1800"/>
+                        <a:t>Class 3</a:t>
+                      </a:r>
+                    </a:p>
+                  </a:txBody>
+                  <a:tcPr marT="45725" marB="45725" marR="87575" marL="87575" anchor="ctr"/>
+                </a:tc>
+                <a:tc>
+                  <a:txBody>
+                    <a:bodyPr>
+                      <a:noAutofit/>
+                    </a:bodyPr>
+                    <a:lstStyle/>
+                    <a:p>
+                      <a:pPr indent="0" lvl="0" marL="0" marR="0" rtl="0" algn="ctr">
+                        <a:spcBef>
+                          <a:spcPts val="0"/>
+                        </a:spcBef>
+                        <a:buSzPct val="25000"/>
+                        <a:buNone/>
+                      </a:pPr>
+                      <a:r>
+                        <a:rPr lang="en-US" sz="1800"/>
+                        <a:t>84</a:t>
+                      </a:r>
+                    </a:p>
+                  </a:txBody>
+                  <a:tcPr marT="45725" marB="45725" marR="87575" marL="87575" anchor="ctr"/>
+                </a:tc>
+                <a:tc>
+                  <a:txBody>
+                    <a:bodyPr>
+                      <a:noAutofit/>
+                    </a:bodyPr>
+                    <a:lstStyle/>
+                    <a:p>
+                      <a:pPr indent="0" lvl="0" marL="0" marR="0" rtl="0" algn="ctr">
+                        <a:spcBef>
+                          <a:spcPts val="0"/>
+                        </a:spcBef>
+                        <a:buSzPct val="25000"/>
+                        <a:buNone/>
+                      </a:pPr>
+                      <a:r>
+                        <a:rPr lang="en-US" sz="1800"/>
+                        <a:t>90</a:t>
+                      </a:r>
+                    </a:p>
+                  </a:txBody>
+                  <a:tcPr marT="45725" marB="45725" marR="87575" marL="87575" anchor="ctr"/>
+                </a:tc>
+              </a:tr>
+            </a:tbl>
+          </a:graphicData>
+        </a:graphic>
+      </p:graphicFrame>
+      <p:sp>
+        <p:nvSpPr>
+          <p:cNvPr id="246" name="Shape 246"/>
+          <p:cNvSpPr txBox="1"/>
+          <p:nvPr>
+            <p:ph type="title"/>
+          </p:nvPr>
+        </p:nvSpPr>
+        <p:spPr>
+          <a:xfrm>
+            <a:off x="1903413" y="177800"/>
+            <a:ext cx="9472800" cy="1239900"/>
+          </a:xfrm>
+          <a:prstGeom prst="rect">
+            <a:avLst/>
+          </a:prstGeom>
+          <a:noFill/>
+          <a:ln>
+            <a:noFill/>
+          </a:ln>
+        </p:spPr>
+        <p:txBody>
+          <a:bodyPr anchorCtr="0" anchor="b" bIns="45700" lIns="91425" rIns="91425" tIns="45700">
+            <a:noAutofit/>
+          </a:bodyPr>
+          <a:lstStyle/>
+          <a:p>
+            <a:pPr indent="0" lvl="0" marL="0" marR="0" rtl="0" algn="l">
+              <a:lnSpc>
+                <a:spcPct val="90000"/>
+              </a:lnSpc>
+              <a:spcBef>
+                <a:spcPts val="0"/>
+              </a:spcBef>
+              <a:buClr>
+                <a:schemeClr val="dk2"/>
+              </a:buClr>
+              <a:buSzPct val="25000"/>
+              <a:buFont typeface="Calibri"/>
+              <a:buNone/>
+            </a:pPr>
+            <a:r>
+              <a:rPr i="1" lang="en-US"/>
+              <a:t>Beumers’s Cinema, Stephen Hutchings, “CHAPAEV,” 69–78</a:t>
+            </a:r>
+          </a:p>
+        </p:txBody>
+      </p:sp>
+    </p:spTree>
+  </p:cSld>
+  <p:clrMapOvr>
+    <a:masterClrMapping/>
+  </p:clrMapOvr>
+  <p:transition spd="med">
+    <p:fade/>
+  </p:transition>
+</p:sld>
+</file>
+
+<file path=ppt/slides/slide22.xml><?xml version="1.0" encoding="utf-8"?>
+<p:sld xmlns:a="http://schemas.openxmlformats.org/drawingml/2006/main" xmlns:r="http://schemas.openxmlformats.org/officeDocument/2006/relationships" xmlns:mc="http://schemas.openxmlformats.org/markup-compatibility/2006" xmlns:mv="urn:schemas-microsoft-com:mac:vml" xmlns:p="http://schemas.openxmlformats.org/presentationml/2006/main" xmlns:c="http://schemas.openxmlformats.org/drawingml/2006/chart" xmlns:dgm="http://schemas.openxmlformats.org/drawingml/2006/diagram" xmlns:o="urn:schemas-microsoft-com:office:office" xmlns:v="urn:schemas-microsoft-com:vml" xmlns:pvml="urn:schemas-microsoft-com:office:powerpoint" xmlns:com="http://schemas.openxmlformats.org/drawingml/2006/compatibility" xmlns:p14="http://schemas.microsoft.com/office/powerpoint/2010/main">
+  <p:cSld>
+    <p:spTree>
+      <p:nvGrpSpPr>
+        <p:cNvPr id="251" name="Shape 251"/>
+        <p:cNvGrpSpPr/>
+        <p:nvPr/>
+      </p:nvGrpSpPr>
+      <p:grpSpPr>
+        <a:xfrm>
+          <a:off x="0" y="0"/>
+          <a:ext cx="0" cy="0"/>
+          <a:chOff x="0" y="0"/>
+          <a:chExt cx="0" cy="0"/>
+        </a:xfrm>
+      </p:grpSpPr>
+      <p:sp>
+        <p:nvSpPr>
+          <p:cNvPr id="252" name="Shape 252"/>
+          <p:cNvSpPr txBox="1"/>
+          <p:nvPr>
+            <p:ph idx="1" type="body"/>
+          </p:nvPr>
+        </p:nvSpPr>
+        <p:spPr>
+          <a:xfrm>
+            <a:off x="1903413" y="1600200"/>
+            <a:ext cx="9472800" cy="4572000"/>
+          </a:xfrm>
+          <a:prstGeom prst="rect">
+            <a:avLst/>
+          </a:prstGeom>
+          <a:noFill/>
+          <a:ln>
+            <a:noFill/>
+          </a:ln>
+        </p:spPr>
+        <p:txBody>
+          <a:bodyPr anchorCtr="0" anchor="t" bIns="45700" lIns="91425" rIns="91425" tIns="45700">
+            <a:noAutofit/>
+          </a:bodyPr>
+          <a:lstStyle/>
+          <a:p>
+            <a:pPr indent="-246888" lvl="0" marL="246888" marR="0" rtl="0" algn="l">
+              <a:lnSpc>
+                <a:spcPct val="90000"/>
+              </a:lnSpc>
+              <a:spcBef>
+                <a:spcPts val="0"/>
+              </a:spcBef>
+              <a:buClr>
+                <a:srgbClr val="385623"/>
+              </a:buClr>
+              <a:buSzPct val="100000"/>
+              <a:buFont typeface="Arial"/>
+              <a:buChar char="›"/>
+            </a:pPr>
+            <a:r>
+              <a:rPr lang="en-US">
+                <a:solidFill>
+                  <a:srgbClr val="385623"/>
+                </a:solidFill>
+              </a:rPr>
+              <a:t>Chapev (1934) made by Geogii and Sergei Vasilev, nicknamed the 'Vasilev' brothers, they made films before</a:t>
+            </a:r>
+          </a:p>
+          <a:p>
+            <a:pPr indent="-246888" lvl="0" marL="246888" marR="0" rtl="0" algn="l">
+              <a:lnSpc>
+                <a:spcPct val="90000"/>
+              </a:lnSpc>
+              <a:spcBef>
+                <a:spcPts val="0"/>
+              </a:spcBef>
+              <a:buClr>
+                <a:srgbClr val="385623"/>
+              </a:buClr>
+              <a:buSzPct val="100000"/>
+              <a:buFont typeface="Arial"/>
+              <a:buChar char="›"/>
+            </a:pPr>
+            <a:r>
+              <a:rPr lang="en-US">
+                <a:solidFill>
+                  <a:srgbClr val="385623"/>
+                </a:solidFill>
+              </a:rPr>
+              <a:t>it became a very famous film, as soon as it was released</a:t>
+            </a:r>
+          </a:p>
+          <a:p>
+            <a:pPr indent="-246888" lvl="0" marL="246888" marR="0" rtl="0" algn="l">
+              <a:lnSpc>
+                <a:spcPct val="90000"/>
+              </a:lnSpc>
+              <a:spcBef>
+                <a:spcPts val="0"/>
+              </a:spcBef>
+              <a:buClr>
+                <a:srgbClr val="385623"/>
+              </a:buClr>
+              <a:buSzPct val="100000"/>
+              <a:buFont typeface="Arial"/>
+              <a:buChar char="›"/>
+            </a:pPr>
+            <a:r>
+              <a:rPr lang="en-US">
+                <a:solidFill>
+                  <a:srgbClr val="385623"/>
+                </a:solidFill>
+              </a:rPr>
+              <a:t>Chapev was made the same period sound was coming into film</a:t>
+            </a:r>
+          </a:p>
+          <a:p>
+            <a:pPr indent="-246888" lvl="0" marL="246888" marR="0" rtl="0" algn="l">
+              <a:lnSpc>
+                <a:spcPct val="90000"/>
+              </a:lnSpc>
+              <a:spcBef>
+                <a:spcPts val="0"/>
+              </a:spcBef>
+              <a:buClr>
+                <a:srgbClr val="385623"/>
+              </a:buClr>
+              <a:buSzPct val="100000"/>
+              <a:buFont typeface="Arial"/>
+              <a:buChar char="›"/>
+            </a:pPr>
+            <a:r>
+              <a:rPr lang="en-US">
+                <a:solidFill>
+                  <a:srgbClr val="385623"/>
+                </a:solidFill>
+              </a:rPr>
+              <a:t>movie based on Dmitrii Furamov (1891 - 1926), autobiography while there was a civil war raging from 1919-1921</a:t>
+            </a:r>
+          </a:p>
+          <a:p>
+            <a:pPr indent="-246888" lvl="0" marL="246888" marR="0" rtl="0" algn="l">
+              <a:lnSpc>
+                <a:spcPct val="90000"/>
+              </a:lnSpc>
+              <a:spcBef>
+                <a:spcPts val="0"/>
+              </a:spcBef>
+              <a:buClr>
+                <a:srgbClr val="385623"/>
+              </a:buClr>
+              <a:buSzPct val="100000"/>
+              <a:buFont typeface="Arial"/>
+              <a:buChar char="›"/>
+            </a:pPr>
+            <a:r>
+              <a:rPr lang="en-US">
+                <a:solidFill>
+                  <a:srgbClr val="385623"/>
+                </a:solidFill>
+              </a:rPr>
+              <a:t>a guy named Klychov comes in and takes over and reeducates Chapev and tries to keep everyone in order. Chapev gets while trying to cross the </a:t>
+            </a:r>
+          </a:p>
+          <a:p>
+            <a:pPr indent="-246888" lvl="0" marL="246888" marR="0" rtl="0" algn="l">
+              <a:lnSpc>
+                <a:spcPct val="90000"/>
+              </a:lnSpc>
+              <a:spcBef>
+                <a:spcPts val="0"/>
+              </a:spcBef>
+              <a:buClr>
+                <a:srgbClr val="385623"/>
+              </a:buClr>
+              <a:buSzPct val="100000"/>
+              <a:buFont typeface="Arial"/>
+              <a:buChar char="›"/>
+            </a:pPr>
+            <a:r>
+              <a:t/>
+            </a:r>
+            <a:endParaRPr>
+              <a:solidFill>
+                <a:srgbClr val="385623"/>
+              </a:solidFill>
+            </a:endParaRPr>
+          </a:p>
+        </p:txBody>
+      </p:sp>
+      <p:sp>
+        <p:nvSpPr>
+          <p:cNvPr id="253" name="Shape 253"/>
+          <p:cNvSpPr txBox="1"/>
+          <p:nvPr>
+            <p:ph type="title"/>
+          </p:nvPr>
+        </p:nvSpPr>
+        <p:spPr>
+          <a:xfrm>
+            <a:off x="1903413" y="177800"/>
+            <a:ext cx="9472800" cy="1239900"/>
+          </a:xfrm>
+          <a:prstGeom prst="rect">
+            <a:avLst/>
+          </a:prstGeom>
+          <a:noFill/>
+          <a:ln>
+            <a:noFill/>
+          </a:ln>
+        </p:spPr>
+        <p:txBody>
+          <a:bodyPr anchorCtr="0" anchor="b" bIns="45700" lIns="91425" rIns="91425" tIns="45700">
+            <a:noAutofit/>
+          </a:bodyPr>
+          <a:lstStyle/>
+          <a:p>
+            <a:pPr indent="0" lvl="0" marL="0" marR="0" rtl="0" algn="l">
+              <a:lnSpc>
+                <a:spcPct val="90000"/>
+              </a:lnSpc>
+              <a:spcBef>
+                <a:spcPts val="0"/>
+              </a:spcBef>
+              <a:buClr>
+                <a:schemeClr val="dk2"/>
+              </a:buClr>
+              <a:buSzPct val="25000"/>
+              <a:buFont typeface="Calibri"/>
+              <a:buNone/>
+            </a:pPr>
+            <a:r>
+              <a:rPr i="1" lang="en-US"/>
+              <a:t>pg 69-70</a:t>
+            </a:r>
+          </a:p>
+        </p:txBody>
+      </p:sp>
+    </p:spTree>
+  </p:cSld>
+  <p:clrMapOvr>
+    <a:masterClrMapping/>
+  </p:clrMapOvr>
+  <p:transition spd="med">
+    <p:fade/>
+  </p:transition>
+</p:sld>
+</file>
+
+<file path=ppt/slides/slide23.xml><?xml version="1.0" encoding="utf-8"?>
+<p:sld xmlns:a="http://schemas.openxmlformats.org/drawingml/2006/main" xmlns:r="http://schemas.openxmlformats.org/officeDocument/2006/relationships" xmlns:mc="http://schemas.openxmlformats.org/markup-compatibility/2006" xmlns:mv="urn:schemas-microsoft-com:mac:vml" xmlns:p="http://schemas.openxmlformats.org/presentationml/2006/main" xmlns:c="http://schemas.openxmlformats.org/drawingml/2006/chart" xmlns:dgm="http://schemas.openxmlformats.org/drawingml/2006/diagram" xmlns:o="urn:schemas-microsoft-com:office:office" xmlns:v="urn:schemas-microsoft-com:vml" xmlns:pvml="urn:schemas-microsoft-com:office:powerpoint" xmlns:com="http://schemas.openxmlformats.org/drawingml/2006/compatibility" xmlns:p14="http://schemas.microsoft.com/office/powerpoint/2010/main">
+  <p:cSld>
+    <p:spTree>
+      <p:nvGrpSpPr>
+        <p:cNvPr id="258" name="Shape 258"/>
+        <p:cNvGrpSpPr/>
+        <p:nvPr/>
+      </p:nvGrpSpPr>
+      <p:grpSpPr>
+        <a:xfrm>
+          <a:off x="0" y="0"/>
+          <a:ext cx="0" cy="0"/>
+          <a:chOff x="0" y="0"/>
+          <a:chExt cx="0" cy="0"/>
+        </a:xfrm>
+      </p:grpSpPr>
+      <p:sp>
+        <p:nvSpPr>
+          <p:cNvPr id="259" name="Shape 259"/>
+          <p:cNvSpPr txBox="1"/>
+          <p:nvPr>
+            <p:ph idx="1" type="body"/>
+          </p:nvPr>
+        </p:nvSpPr>
+        <p:spPr>
+          <a:xfrm>
+            <a:off x="1903413" y="1600200"/>
+            <a:ext cx="9472800" cy="4572000"/>
+          </a:xfrm>
+          <a:prstGeom prst="rect">
+            <a:avLst/>
+          </a:prstGeom>
+          <a:noFill/>
+          <a:ln>
+            <a:noFill/>
+          </a:ln>
+        </p:spPr>
+        <p:txBody>
+          <a:bodyPr anchorCtr="0" anchor="t" bIns="45700" lIns="91425" rIns="91425" tIns="45700">
+            <a:noAutofit/>
+          </a:bodyPr>
+          <a:lstStyle/>
+          <a:p>
+            <a:pPr indent="-246888" lvl="0" marL="246888" marR="0" rtl="0" algn="l">
+              <a:lnSpc>
+                <a:spcPct val="90000"/>
+              </a:lnSpc>
+              <a:spcBef>
+                <a:spcPts val="0"/>
+              </a:spcBef>
+              <a:buClr>
+                <a:srgbClr val="385623"/>
+              </a:buClr>
+              <a:buSzPct val="100000"/>
+              <a:buFont typeface="Arial"/>
+              <a:buChar char="›"/>
+            </a:pPr>
+            <a:r>
+              <a:rPr lang="en-US">
+                <a:solidFill>
+                  <a:srgbClr val="385623"/>
+                </a:solidFill>
+              </a:rPr>
+              <a:t>Klychov account made Chapev famous</a:t>
+            </a:r>
+          </a:p>
+          <a:p>
+            <a:pPr indent="-246888" lvl="0" marL="246888" marR="0" rtl="0" algn="l">
+              <a:lnSpc>
+                <a:spcPct val="90000"/>
+              </a:lnSpc>
+              <a:spcBef>
+                <a:spcPts val="0"/>
+              </a:spcBef>
+              <a:buClr>
+                <a:srgbClr val="385623"/>
+              </a:buClr>
+              <a:buSzPct val="100000"/>
+              <a:buFont typeface="Arial"/>
+              <a:buChar char="›"/>
+            </a:pPr>
+            <a:r>
+              <a:rPr lang="en-US">
+                <a:solidFill>
+                  <a:srgbClr val="385623"/>
+                </a:solidFill>
+              </a:rPr>
+              <a:t>the novel is contradictive but interesting</a:t>
+            </a:r>
+          </a:p>
+          <a:p>
+            <a:pPr indent="-246888" lvl="0" marL="246888" marR="0" rtl="0" algn="l">
+              <a:lnSpc>
+                <a:spcPct val="90000"/>
+              </a:lnSpc>
+              <a:spcBef>
+                <a:spcPts val="0"/>
+              </a:spcBef>
+              <a:buClr>
+                <a:srgbClr val="385623"/>
+              </a:buClr>
+              <a:buSzPct val="100000"/>
+              <a:buFont typeface="Arial"/>
+              <a:buChar char="›"/>
+            </a:pPr>
+            <a:r>
+              <a:rPr lang="en-US">
+                <a:solidFill>
+                  <a:srgbClr val="385623"/>
+                </a:solidFill>
+              </a:rPr>
+              <a:t>1924 Furanmov submitted a form to make his book into a film but it was lost and forgotten, his widow did it again in 1932 and the Vasliev brothers took care of it</a:t>
+            </a:r>
+          </a:p>
+          <a:p>
+            <a:pPr indent="-246888" lvl="0" marL="246888" marR="0" rtl="0" algn="l">
+              <a:lnSpc>
+                <a:spcPct val="90000"/>
+              </a:lnSpc>
+              <a:spcBef>
+                <a:spcPts val="0"/>
+              </a:spcBef>
+              <a:buClr>
+                <a:srgbClr val="385623"/>
+              </a:buClr>
+              <a:buSzPct val="100000"/>
+              <a:buFont typeface="Arial"/>
+              <a:buChar char="›"/>
+            </a:pPr>
+            <a:r>
+              <a:rPr lang="en-US">
+                <a:solidFill>
+                  <a:srgbClr val="385623"/>
+                </a:solidFill>
+              </a:rPr>
+              <a:t>humor is emphasied in the film, when Anna polishes the gun and tells Pet’ka to stay away</a:t>
+            </a:r>
+          </a:p>
+          <a:p>
+            <a:pPr indent="-246888" lvl="0" marL="246888" marR="0" rtl="0" algn="l">
+              <a:lnSpc>
+                <a:spcPct val="90000"/>
+              </a:lnSpc>
+              <a:spcBef>
+                <a:spcPts val="0"/>
+              </a:spcBef>
+              <a:buClr>
+                <a:srgbClr val="385623"/>
+              </a:buClr>
+              <a:buSzPct val="100000"/>
+              <a:buFont typeface="Arial"/>
+              <a:buChar char="›"/>
+            </a:pPr>
+            <a:r>
+              <a:rPr lang="en-US">
+                <a:solidFill>
+                  <a:srgbClr val="385623"/>
+                </a:solidFill>
+              </a:rPr>
+              <a:t>film has a more definitve path than the book</a:t>
+            </a:r>
+          </a:p>
+        </p:txBody>
+      </p:sp>
+      <p:sp>
+        <p:nvSpPr>
+          <p:cNvPr id="260" name="Shape 260"/>
+          <p:cNvSpPr txBox="1"/>
+          <p:nvPr>
+            <p:ph type="title"/>
+          </p:nvPr>
+        </p:nvSpPr>
+        <p:spPr>
+          <a:xfrm>
+            <a:off x="1903413" y="177800"/>
+            <a:ext cx="9472800" cy="1239900"/>
+          </a:xfrm>
+          <a:prstGeom prst="rect">
+            <a:avLst/>
+          </a:prstGeom>
+          <a:noFill/>
+          <a:ln>
+            <a:noFill/>
+          </a:ln>
+        </p:spPr>
+        <p:txBody>
+          <a:bodyPr anchorCtr="0" anchor="b" bIns="45700" lIns="91425" rIns="91425" tIns="45700">
+            <a:noAutofit/>
+          </a:bodyPr>
+          <a:lstStyle/>
+          <a:p>
+            <a:pPr indent="0" lvl="0" marL="0" marR="0" rtl="0" algn="l">
+              <a:lnSpc>
+                <a:spcPct val="90000"/>
+              </a:lnSpc>
+              <a:spcBef>
+                <a:spcPts val="0"/>
+              </a:spcBef>
+              <a:buClr>
+                <a:schemeClr val="dk2"/>
+              </a:buClr>
+              <a:buSzPct val="25000"/>
+              <a:buFont typeface="Calibri"/>
+              <a:buNone/>
+            </a:pPr>
+            <a:r>
+              <a:rPr i="1" lang="en-US"/>
+              <a:t>pg 71-72</a:t>
+            </a:r>
+          </a:p>
+        </p:txBody>
+      </p:sp>
+    </p:spTree>
+  </p:cSld>
+  <p:clrMapOvr>
+    <a:masterClrMapping/>
+  </p:clrMapOvr>
+  <p:transition spd="med">
+    <p:fade/>
+  </p:transition>
+</p:sld>
+</file>
+
+<file path=ppt/slides/slide24.xml><?xml version="1.0" encoding="utf-8"?>
+<p:sld xmlns:a="http://schemas.openxmlformats.org/drawingml/2006/main" xmlns:r="http://schemas.openxmlformats.org/officeDocument/2006/relationships" xmlns:mc="http://schemas.openxmlformats.org/markup-compatibility/2006" xmlns:mv="urn:schemas-microsoft-com:mac:vml" xmlns:p="http://schemas.openxmlformats.org/presentationml/2006/main" xmlns:c="http://schemas.openxmlformats.org/drawingml/2006/chart" xmlns:dgm="http://schemas.openxmlformats.org/drawingml/2006/diagram" xmlns:o="urn:schemas-microsoft-com:office:office" xmlns:v="urn:schemas-microsoft-com:vml" xmlns:pvml="urn:schemas-microsoft-com:office:powerpoint" xmlns:com="http://schemas.openxmlformats.org/drawingml/2006/compatibility" xmlns:p14="http://schemas.microsoft.com/office/powerpoint/2010/main">
+  <p:cSld>
+    <p:spTree>
+      <p:nvGrpSpPr>
+        <p:cNvPr id="265" name="Shape 265"/>
+        <p:cNvGrpSpPr/>
+        <p:nvPr/>
+      </p:nvGrpSpPr>
+      <p:grpSpPr>
+        <a:xfrm>
+          <a:off x="0" y="0"/>
+          <a:ext cx="0" cy="0"/>
+          <a:chOff x="0" y="0"/>
+          <a:chExt cx="0" cy="0"/>
+        </a:xfrm>
+      </p:grpSpPr>
+      <p:sp>
+        <p:nvSpPr>
+          <p:cNvPr id="266" name="Shape 266"/>
+          <p:cNvSpPr txBox="1"/>
+          <p:nvPr>
+            <p:ph idx="1" type="body"/>
+          </p:nvPr>
+        </p:nvSpPr>
+        <p:spPr>
+          <a:xfrm>
+            <a:off x="1903413" y="1600200"/>
+            <a:ext cx="9472800" cy="4572000"/>
+          </a:xfrm>
+          <a:prstGeom prst="rect">
+            <a:avLst/>
+          </a:prstGeom>
+          <a:noFill/>
+          <a:ln>
+            <a:noFill/>
+          </a:ln>
+        </p:spPr>
+        <p:txBody>
+          <a:bodyPr anchorCtr="0" anchor="t" bIns="45700" lIns="91425" rIns="91425" tIns="45700">
+            <a:noAutofit/>
+          </a:bodyPr>
+          <a:lstStyle/>
+          <a:p>
+            <a:pPr indent="-246888" lvl="0" marL="246888" marR="0" rtl="0" algn="l">
+              <a:lnSpc>
+                <a:spcPct val="90000"/>
+              </a:lnSpc>
+              <a:spcBef>
+                <a:spcPts val="0"/>
+              </a:spcBef>
+              <a:buClr>
+                <a:srgbClr val="385623"/>
+              </a:buClr>
+              <a:buSzPct val="100000"/>
+              <a:buFont typeface="Arial"/>
+              <a:buChar char="›"/>
+            </a:pPr>
+            <a:r>
+              <a:rPr lang="en-US">
+                <a:solidFill>
+                  <a:srgbClr val="385623"/>
+                </a:solidFill>
+              </a:rPr>
+              <a:t>the plot in the book and the movie are different</a:t>
+            </a:r>
+          </a:p>
+          <a:p>
+            <a:pPr indent="-246888" lvl="0" marL="246888" marR="0" rtl="0" algn="l">
+              <a:lnSpc>
+                <a:spcPct val="90000"/>
+              </a:lnSpc>
+              <a:spcBef>
+                <a:spcPts val="0"/>
+              </a:spcBef>
+              <a:buClr>
+                <a:srgbClr val="385623"/>
+              </a:buClr>
+              <a:buSzPct val="100000"/>
+              <a:buFont typeface="Arial"/>
+              <a:buChar char="›"/>
+            </a:pPr>
+            <a:r>
+              <a:rPr lang="en-US">
+                <a:solidFill>
+                  <a:srgbClr val="385623"/>
+                </a:solidFill>
+              </a:rPr>
+              <a:t>at the end of the book Chapev dies like he is cornered and there is no way out, in the end of the movie, Chapev dies trying to fight off the white army</a:t>
+            </a:r>
+          </a:p>
+          <a:p>
+            <a:pPr indent="-246888" lvl="0" marL="246888" marR="0" rtl="0" algn="l">
+              <a:lnSpc>
+                <a:spcPct val="90000"/>
+              </a:lnSpc>
+              <a:spcBef>
+                <a:spcPts val="0"/>
+              </a:spcBef>
+              <a:buClr>
+                <a:srgbClr val="385623"/>
+              </a:buClr>
+              <a:buSzPct val="100000"/>
+              <a:buFont typeface="Arial"/>
+              <a:buChar char="›"/>
+            </a:pPr>
+            <a:r>
+              <a:rPr lang="en-US">
+                <a:solidFill>
+                  <a:srgbClr val="385623"/>
+                </a:solidFill>
+              </a:rPr>
+              <a:t>Furamov made sketch-like summaries of scenes while the movie made each scene seperate and integrated to one plot</a:t>
+            </a:r>
+          </a:p>
+          <a:p>
+            <a:pPr indent="-246888" lvl="0" marL="246888" marR="0" rtl="0" algn="l">
+              <a:lnSpc>
+                <a:spcPct val="90000"/>
+              </a:lnSpc>
+              <a:spcBef>
+                <a:spcPts val="0"/>
+              </a:spcBef>
+              <a:buClr>
+                <a:srgbClr val="385623"/>
+              </a:buClr>
+              <a:buSzPct val="100000"/>
+              <a:buFont typeface="Arial"/>
+              <a:buChar char="›"/>
+            </a:pPr>
+            <a:r>
+              <a:rPr lang="en-US">
+                <a:solidFill>
+                  <a:srgbClr val="385623"/>
+                </a:solidFill>
+              </a:rPr>
+              <a:t>the film wasn’t only for adapting the novel but also for making it a Soviet film, so different aspects had to be changed</a:t>
+            </a:r>
+          </a:p>
+        </p:txBody>
+      </p:sp>
+      <p:sp>
+        <p:nvSpPr>
+          <p:cNvPr id="267" name="Shape 267"/>
+          <p:cNvSpPr txBox="1"/>
+          <p:nvPr>
+            <p:ph type="title"/>
+          </p:nvPr>
+        </p:nvSpPr>
+        <p:spPr>
+          <a:xfrm>
+            <a:off x="1903413" y="177800"/>
+            <a:ext cx="9472800" cy="1239900"/>
+          </a:xfrm>
+          <a:prstGeom prst="rect">
+            <a:avLst/>
+          </a:prstGeom>
+          <a:noFill/>
+          <a:ln>
+            <a:noFill/>
+          </a:ln>
+        </p:spPr>
+        <p:txBody>
+          <a:bodyPr anchorCtr="0" anchor="b" bIns="45700" lIns="91425" rIns="91425" tIns="45700">
+            <a:noAutofit/>
+          </a:bodyPr>
+          <a:lstStyle/>
+          <a:p>
+            <a:pPr indent="0" lvl="0" marL="0" marR="0" rtl="0" algn="l">
+              <a:lnSpc>
+                <a:spcPct val="90000"/>
+              </a:lnSpc>
+              <a:spcBef>
+                <a:spcPts val="0"/>
+              </a:spcBef>
+              <a:buClr>
+                <a:schemeClr val="dk2"/>
+              </a:buClr>
+              <a:buSzPct val="25000"/>
+              <a:buFont typeface="Calibri"/>
+              <a:buNone/>
+            </a:pPr>
+            <a:r>
+              <a:rPr i="1" lang="en-US"/>
+              <a:t>pg 73-74</a:t>
+            </a:r>
+          </a:p>
+        </p:txBody>
+      </p:sp>
+    </p:spTree>
+  </p:cSld>
+  <p:clrMapOvr>
+    <a:masterClrMapping/>
+  </p:clrMapOvr>
+  <p:transition spd="med">
+    <p:fade/>
+  </p:transition>
+</p:sld>
+</file>
+
+<file path=ppt/slides/slide25.xml><?xml version="1.0" encoding="utf-8"?>
+<p:sld xmlns:a="http://schemas.openxmlformats.org/drawingml/2006/main" xmlns:r="http://schemas.openxmlformats.org/officeDocument/2006/relationships" xmlns:mc="http://schemas.openxmlformats.org/markup-compatibility/2006" xmlns:mv="urn:schemas-microsoft-com:mac:vml" xmlns:p="http://schemas.openxmlformats.org/presentationml/2006/main" xmlns:c="http://schemas.openxmlformats.org/drawingml/2006/chart" xmlns:dgm="http://schemas.openxmlformats.org/drawingml/2006/diagram" xmlns:o="urn:schemas-microsoft-com:office:office" xmlns:v="urn:schemas-microsoft-com:vml" xmlns:pvml="urn:schemas-microsoft-com:office:powerpoint" xmlns:com="http://schemas.openxmlformats.org/drawingml/2006/compatibility" xmlns:p14="http://schemas.microsoft.com/office/powerpoint/2010/main">
+  <p:cSld>
+    <p:spTree>
+      <p:nvGrpSpPr>
+        <p:cNvPr id="272" name="Shape 272"/>
+        <p:cNvGrpSpPr/>
+        <p:nvPr/>
+      </p:nvGrpSpPr>
+      <p:grpSpPr>
+        <a:xfrm>
+          <a:off x="0" y="0"/>
+          <a:ext cx="0" cy="0"/>
+          <a:chOff x="0" y="0"/>
+          <a:chExt cx="0" cy="0"/>
+        </a:xfrm>
+      </p:grpSpPr>
+      <p:sp>
+        <p:nvSpPr>
+          <p:cNvPr id="273" name="Shape 273"/>
+          <p:cNvSpPr txBox="1"/>
+          <p:nvPr>
+            <p:ph idx="1" type="body"/>
+          </p:nvPr>
+        </p:nvSpPr>
+        <p:spPr>
+          <a:xfrm>
+            <a:off x="1903413" y="1600200"/>
+            <a:ext cx="9472800" cy="4572000"/>
+          </a:xfrm>
+          <a:prstGeom prst="rect">
+            <a:avLst/>
+          </a:prstGeom>
+          <a:noFill/>
+          <a:ln>
+            <a:noFill/>
+          </a:ln>
+        </p:spPr>
+        <p:txBody>
+          <a:bodyPr anchorCtr="0" anchor="t" bIns="45700" lIns="91425" rIns="91425" tIns="45700">
+            <a:noAutofit/>
+          </a:bodyPr>
+          <a:lstStyle/>
+          <a:p>
+            <a:pPr indent="-246888" lvl="0" marL="246888" marR="0" rtl="0" algn="l">
+              <a:lnSpc>
+                <a:spcPct val="90000"/>
+              </a:lnSpc>
+              <a:spcBef>
+                <a:spcPts val="0"/>
+              </a:spcBef>
+              <a:buClr>
+                <a:srgbClr val="385623"/>
+              </a:buClr>
+              <a:buSzPct val="100000"/>
+              <a:buFont typeface="Arial"/>
+              <a:buChar char="›"/>
+            </a:pPr>
+            <a:r>
+              <a:rPr lang="en-US">
+                <a:solidFill>
+                  <a:srgbClr val="385623"/>
+                </a:solidFill>
+              </a:rPr>
+              <a:t>in this movie people switch sides alot, as they get to know more about what is going on</a:t>
+            </a:r>
+          </a:p>
+          <a:p>
+            <a:pPr indent="-246888" lvl="0" marL="246888" marR="0" rtl="0" algn="l">
+              <a:lnSpc>
+                <a:spcPct val="90000"/>
+              </a:lnSpc>
+              <a:spcBef>
+                <a:spcPts val="0"/>
+              </a:spcBef>
+              <a:buClr>
+                <a:srgbClr val="385623"/>
+              </a:buClr>
+              <a:buSzPct val="100000"/>
+              <a:buFont typeface="Arial"/>
+              <a:buChar char="›"/>
+            </a:pPr>
+            <a:r>
+              <a:rPr lang="en-US">
+                <a:solidFill>
+                  <a:srgbClr val="385623"/>
+                </a:solidFill>
+              </a:rPr>
+              <a:t>movie contains lore about Chapev death, and Black Raven, a song about death</a:t>
+            </a:r>
+          </a:p>
+          <a:p>
+            <a:pPr indent="-246888" lvl="0" marL="246888" marR="0" rtl="0" algn="l">
+              <a:lnSpc>
+                <a:spcPct val="90000"/>
+              </a:lnSpc>
+              <a:spcBef>
+                <a:spcPts val="0"/>
+              </a:spcBef>
+              <a:buClr>
+                <a:srgbClr val="385623"/>
+              </a:buClr>
+              <a:buSzPct val="100000"/>
+              <a:buFont typeface="Arial"/>
+              <a:buChar char="›"/>
+            </a:pPr>
+            <a:r>
+              <a:rPr lang="en-US">
+                <a:solidFill>
+                  <a:srgbClr val="385623"/>
+                </a:solidFill>
+              </a:rPr>
+              <a:t>after the film everyone started to rename things after Chapev</a:t>
+            </a:r>
+          </a:p>
+        </p:txBody>
+      </p:sp>
+      <p:sp>
+        <p:nvSpPr>
+          <p:cNvPr id="274" name="Shape 274"/>
+          <p:cNvSpPr txBox="1"/>
+          <p:nvPr>
+            <p:ph type="title"/>
+          </p:nvPr>
+        </p:nvSpPr>
+        <p:spPr>
+          <a:xfrm>
+            <a:off x="1903413" y="177800"/>
+            <a:ext cx="9472800" cy="1239900"/>
+          </a:xfrm>
+          <a:prstGeom prst="rect">
+            <a:avLst/>
+          </a:prstGeom>
+          <a:noFill/>
+          <a:ln>
+            <a:noFill/>
+          </a:ln>
+        </p:spPr>
+        <p:txBody>
+          <a:bodyPr anchorCtr="0" anchor="b" bIns="45700" lIns="91425" rIns="91425" tIns="45700">
+            <a:noAutofit/>
+          </a:bodyPr>
+          <a:lstStyle/>
+          <a:p>
+            <a:pPr indent="0" lvl="0" marL="0" marR="0" rtl="0" algn="l">
+              <a:lnSpc>
+                <a:spcPct val="90000"/>
+              </a:lnSpc>
+              <a:spcBef>
+                <a:spcPts val="0"/>
+              </a:spcBef>
+              <a:buClr>
+                <a:schemeClr val="dk2"/>
+              </a:buClr>
+              <a:buSzPct val="25000"/>
+              <a:buFont typeface="Calibri"/>
+              <a:buNone/>
+            </a:pPr>
+            <a:r>
+              <a:rPr i="1" lang="en-US"/>
+              <a:t>pg 75</a:t>
+            </a:r>
+          </a:p>
+        </p:txBody>
+      </p:sp>
+    </p:spTree>
+  </p:cSld>
+  <p:clrMapOvr>
+    <a:masterClrMapping/>
+  </p:clrMapOvr>
+  <p:transition spd="med">
+    <p:fade/>
+  </p:transition>
+</p:sld>
+</file>
+
+<file path=ppt/slides/slide26.xml><?xml version="1.0" encoding="utf-8"?>
+<p:sld xmlns:a="http://schemas.openxmlformats.org/drawingml/2006/main" xmlns:r="http://schemas.openxmlformats.org/officeDocument/2006/relationships" xmlns:mc="http://schemas.openxmlformats.org/markup-compatibility/2006" xmlns:mv="urn:schemas-microsoft-com:mac:vml" xmlns:p="http://schemas.openxmlformats.org/presentationml/2006/main" xmlns:c="http://schemas.openxmlformats.org/drawingml/2006/chart" xmlns:dgm="http://schemas.openxmlformats.org/drawingml/2006/diagram" xmlns:o="urn:schemas-microsoft-com:office:office" xmlns:v="urn:schemas-microsoft-com:vml" xmlns:pvml="urn:schemas-microsoft-com:office:powerpoint" xmlns:com="http://schemas.openxmlformats.org/drawingml/2006/compatibility" xmlns:p14="http://schemas.microsoft.com/office/powerpoint/2010/main">
+  <p:cSld>
+    <p:spTree>
+      <p:nvGrpSpPr>
+        <p:cNvPr id="279" name="Shape 279"/>
+        <p:cNvGrpSpPr/>
+        <p:nvPr/>
+      </p:nvGrpSpPr>
+      <p:grpSpPr>
+        <a:xfrm>
+          <a:off x="0" y="0"/>
+          <a:ext cx="0" cy="0"/>
+          <a:chOff x="0" y="0"/>
+          <a:chExt cx="0" cy="0"/>
+        </a:xfrm>
+      </p:grpSpPr>
+      <p:sp>
+        <p:nvSpPr>
+          <p:cNvPr id="280" name="Shape 280"/>
+          <p:cNvSpPr txBox="1"/>
+          <p:nvPr>
+            <p:ph idx="1" type="body"/>
+          </p:nvPr>
+        </p:nvSpPr>
+        <p:spPr>
+          <a:xfrm>
+            <a:off x="1903413" y="1600200"/>
+            <a:ext cx="9472800" cy="4572000"/>
+          </a:xfrm>
+          <a:prstGeom prst="rect">
+            <a:avLst/>
+          </a:prstGeom>
+          <a:noFill/>
+          <a:ln>
+            <a:noFill/>
+          </a:ln>
+        </p:spPr>
+        <p:txBody>
+          <a:bodyPr anchorCtr="0" anchor="t" bIns="45700" lIns="91425" rIns="91425" tIns="45700">
+            <a:noAutofit/>
+          </a:bodyPr>
+          <a:lstStyle/>
+          <a:p>
+            <a:pPr indent="-246888" lvl="0" marL="246888" marR="0" rtl="0" algn="l">
+              <a:lnSpc>
+                <a:spcPct val="90000"/>
+              </a:lnSpc>
+              <a:spcBef>
+                <a:spcPts val="0"/>
+              </a:spcBef>
+              <a:buClr>
+                <a:srgbClr val="385623"/>
+              </a:buClr>
+              <a:buSzPct val="100000"/>
+              <a:buFont typeface="Arial"/>
+              <a:buChar char="›"/>
+            </a:pPr>
+            <a:r>
+              <a:rPr lang="en-US">
+                <a:solidFill>
+                  <a:srgbClr val="385623"/>
+                </a:solidFill>
+              </a:rPr>
+              <a:t>Furamov had a problem writing this book in the Stalin period, basically it was a contradiction to Soviet ideals because the main character (Pet’ka) was too sponteaneous</a:t>
+            </a:r>
+          </a:p>
+          <a:p>
+            <a:pPr indent="-246888" lvl="0" marL="246888" marR="0" rtl="0" algn="l">
+              <a:lnSpc>
+                <a:spcPct val="90000"/>
+              </a:lnSpc>
+              <a:spcBef>
+                <a:spcPts val="0"/>
+              </a:spcBef>
+              <a:buClr>
+                <a:srgbClr val="385623"/>
+              </a:buClr>
+              <a:buSzPct val="100000"/>
+              <a:buFont typeface="Arial"/>
+              <a:buChar char="›"/>
+            </a:pPr>
+            <a:r>
+              <a:rPr lang="en-US">
+                <a:solidFill>
+                  <a:srgbClr val="385623"/>
+                </a:solidFill>
+              </a:rPr>
+              <a:t>Chapev lives on, people made folklore about and and made a video game about it</a:t>
+            </a:r>
+          </a:p>
+        </p:txBody>
+      </p:sp>
+      <p:sp>
+        <p:nvSpPr>
+          <p:cNvPr id="281" name="Shape 281"/>
+          <p:cNvSpPr txBox="1"/>
+          <p:nvPr>
+            <p:ph type="title"/>
+          </p:nvPr>
+        </p:nvSpPr>
+        <p:spPr>
+          <a:xfrm>
+            <a:off x="1903413" y="177800"/>
+            <a:ext cx="9472800" cy="1239900"/>
+          </a:xfrm>
+          <a:prstGeom prst="rect">
+            <a:avLst/>
+          </a:prstGeom>
+          <a:noFill/>
+          <a:ln>
+            <a:noFill/>
+          </a:ln>
+        </p:spPr>
+        <p:txBody>
+          <a:bodyPr anchorCtr="0" anchor="b" bIns="45700" lIns="91425" rIns="91425" tIns="45700">
+            <a:noAutofit/>
+          </a:bodyPr>
+          <a:lstStyle/>
+          <a:p>
+            <a:pPr indent="0" lvl="0" marL="0" marR="0" rtl="0" algn="l">
+              <a:lnSpc>
+                <a:spcPct val="90000"/>
+              </a:lnSpc>
+              <a:spcBef>
+                <a:spcPts val="0"/>
+              </a:spcBef>
+              <a:buClr>
+                <a:schemeClr val="dk2"/>
+              </a:buClr>
+              <a:buSzPct val="25000"/>
+              <a:buFont typeface="Calibri"/>
+              <a:buNone/>
+            </a:pPr>
+            <a:r>
+              <a:rPr i="1" lang="en-US"/>
+              <a:t>pg 76- end</a:t>
+            </a:r>
+          </a:p>
+        </p:txBody>
+      </p:sp>
+    </p:spTree>
+  </p:cSld>
+  <p:clrMapOvr>
+    <a:masterClrMapping/>
+  </p:clrMapOvr>
+  <p:transition spd="med">
+    <p:fade/>
+  </p:transition>
+</p:sld>
+</file>
+
+<file path=ppt/slides/slide27.xml><?xml version="1.0" encoding="utf-8"?>
+<p:sld xmlns:a="http://schemas.openxmlformats.org/drawingml/2006/main" xmlns:r="http://schemas.openxmlformats.org/officeDocument/2006/relationships" xmlns:mc="http://schemas.openxmlformats.org/markup-compatibility/2006" xmlns:mv="urn:schemas-microsoft-com:mac:vml" xmlns:p="http://schemas.openxmlformats.org/presentationml/2006/main" xmlns:c="http://schemas.openxmlformats.org/drawingml/2006/chart" xmlns:dgm="http://schemas.openxmlformats.org/drawingml/2006/diagram" xmlns:o="urn:schemas-microsoft-com:office:office" xmlns:v="urn:schemas-microsoft-com:vml" xmlns:pvml="urn:schemas-microsoft-com:office:powerpoint" xmlns:com="http://schemas.openxmlformats.org/drawingml/2006/compatibility" xmlns:p14="http://schemas.microsoft.com/office/powerpoint/2010/main">
+  <p:cSld>
+    <p:spTree>
+      <p:nvGrpSpPr>
+        <p:cNvPr id="285" name="Shape 285"/>
+        <p:cNvGrpSpPr/>
+        <p:nvPr/>
+      </p:nvGrpSpPr>
+      <p:grpSpPr>
+        <a:xfrm>
+          <a:off x="0" y="0"/>
+          <a:ext cx="0" cy="0"/>
+          <a:chOff x="0" y="0"/>
+          <a:chExt cx="0" cy="0"/>
+        </a:xfrm>
+      </p:grpSpPr>
+      <p:sp>
+        <p:nvSpPr>
+          <p:cNvPr id="286" name="Shape 286"/>
+          <p:cNvSpPr txBox="1"/>
+          <p:nvPr>
+            <p:ph idx="1" type="body"/>
+          </p:nvPr>
+        </p:nvSpPr>
+        <p:spPr>
+          <a:xfrm>
+            <a:off x="6824328" y="1600200"/>
+            <a:ext cx="4572000" cy="4572000"/>
+          </a:xfrm>
+          <a:prstGeom prst="rect">
+            <a:avLst/>
+          </a:prstGeom>
+          <a:noFill/>
+          <a:ln>
+            <a:noFill/>
+          </a:ln>
+        </p:spPr>
+        <p:txBody>
+          <a:bodyPr anchorCtr="0" anchor="t" bIns="45700" lIns="91425" rIns="91425" tIns="45700">
+            <a:noAutofit/>
+          </a:bodyPr>
+          <a:lstStyle/>
+          <a:p>
+            <a:pPr indent="-246888" lvl="0" marL="246888" marR="0" rtl="0" algn="l">
+              <a:lnSpc>
+                <a:spcPct val="90000"/>
+              </a:lnSpc>
+              <a:spcBef>
+                <a:spcPts val="0"/>
+              </a:spcBef>
+              <a:buClr>
+                <a:schemeClr val="dk1"/>
+              </a:buClr>
+              <a:buSzPct val="100000"/>
+              <a:buFont typeface="Arial"/>
+              <a:buChar char="›"/>
+            </a:pPr>
+            <a:r>
+              <a:rPr b="0" i="0" lang="en-US" sz="2800" u="none" cap="none" strike="noStrike">
+                <a:solidFill>
+                  <a:schemeClr val="dk1"/>
+                </a:solidFill>
+                <a:latin typeface="Calibri"/>
+                <a:ea typeface="Calibri"/>
+                <a:cs typeface="Calibri"/>
+                <a:sym typeface="Calibri"/>
+              </a:rPr>
+              <a:t>EVERY 5 MIN</a:t>
+            </a:r>
+          </a:p>
+        </p:txBody>
+      </p:sp>
+      <p:graphicFrame>
+        <p:nvGraphicFramePr>
+          <p:cNvPr id="287" name="Shape 287" title="Table sample"/>
+          <p:cNvGraphicFramePr/>
+          <p:nvPr/>
+        </p:nvGraphicFramePr>
+        <p:xfrm>
+          <a:off x="1935163" y="1600200"/>
+          <a:ext cx="3000000" cy="3000000"/>
+        </p:xfrm>
+        <a:graphic>
+          <a:graphicData uri="http://schemas.openxmlformats.org/drawingml/2006/table">
+            <a:tbl>
+              <a:tblPr bandRow="1" firstRow="1">
+                <a:noFill/>
+                <a:tableStyleId>{57789A62-1ACC-4FE8-AD1D-7B51C1B918E5}</a:tableStyleId>
+              </a:tblPr>
+              <a:tblGrid>
+                <a:gridCol w="1524000"/>
+                <a:gridCol w="1524000"/>
+                <a:gridCol w="1524000"/>
+              </a:tblGrid>
+              <a:tr h="520700">
+                <a:tc>
+                  <a:txBody>
+                    <a:bodyPr>
+                      <a:noAutofit/>
+                    </a:bodyPr>
+                    <a:lstStyle/>
+                    <a:p>
+                      <a:pPr indent="0" lvl="0" marL="0" marR="0" rtl="0" algn="l">
+                        <a:spcBef>
+                          <a:spcPts val="0"/>
+                        </a:spcBef>
+                        <a:buSzPct val="25000"/>
+                        <a:buNone/>
+                      </a:pPr>
+                      <a:r>
+                        <a:t/>
+                      </a:r>
+                      <a:endParaRPr sz="1800"/>
+                    </a:p>
+                  </a:txBody>
+                  <a:tcPr marT="45725" marB="45725" marR="87575" marL="87575" anchor="ctr"/>
+                </a:tc>
+                <a:tc>
+                  <a:txBody>
+                    <a:bodyPr>
+                      <a:noAutofit/>
+                    </a:bodyPr>
+                    <a:lstStyle/>
+                    <a:p>
+                      <a:pPr indent="0" lvl="0" marL="0" marR="0" rtl="0" algn="ctr">
+                        <a:spcBef>
+                          <a:spcPts val="0"/>
+                        </a:spcBef>
+                        <a:buSzPct val="25000"/>
+                        <a:buNone/>
+                      </a:pPr>
+                      <a:r>
+                        <a:rPr lang="en-US" sz="1800"/>
+                        <a:t>Group A</a:t>
+                      </a:r>
+                    </a:p>
+                  </a:txBody>
+                  <a:tcPr marT="45725" marB="45725" marR="87575" marL="87575" anchor="ctr"/>
+                </a:tc>
+                <a:tc>
+                  <a:txBody>
+                    <a:bodyPr>
+                      <a:noAutofit/>
+                    </a:bodyPr>
+                    <a:lstStyle/>
+                    <a:p>
+                      <a:pPr indent="0" lvl="0" marL="0" marR="0" rtl="0" algn="ctr">
+                        <a:spcBef>
+                          <a:spcPts val="0"/>
+                        </a:spcBef>
+                        <a:buSzPct val="25000"/>
+                        <a:buNone/>
+                      </a:pPr>
+                      <a:r>
+                        <a:rPr lang="en-US" sz="1800"/>
+                        <a:t>Group B</a:t>
+                      </a:r>
+                    </a:p>
+                  </a:txBody>
+                  <a:tcPr marT="45725" marB="45725" marR="87575" marL="87575" anchor="ctr"/>
+                </a:tc>
+              </a:tr>
+              <a:tr h="520700">
+                <a:tc>
+                  <a:txBody>
+                    <a:bodyPr>
+                      <a:noAutofit/>
+                    </a:bodyPr>
+                    <a:lstStyle/>
+                    <a:p>
+                      <a:pPr indent="0" lvl="0" marL="0" marR="0" rtl="0" algn="l">
+                        <a:spcBef>
+                          <a:spcPts val="0"/>
+                        </a:spcBef>
+                        <a:buSzPct val="25000"/>
+                        <a:buNone/>
+                      </a:pPr>
+                      <a:r>
+                        <a:rPr lang="en-US" sz="1800"/>
+                        <a:t>Class 1</a:t>
+                      </a:r>
+                    </a:p>
+                  </a:txBody>
+                  <a:tcPr marT="45725" marB="45725" marR="87575" marL="87575" anchor="ctr"/>
+                </a:tc>
+                <a:tc>
+                  <a:txBody>
+                    <a:bodyPr>
+                      <a:noAutofit/>
+                    </a:bodyPr>
+                    <a:lstStyle/>
+                    <a:p>
+                      <a:pPr indent="0" lvl="0" marL="0" marR="0" rtl="0" algn="ctr">
+                        <a:spcBef>
+                          <a:spcPts val="0"/>
+                        </a:spcBef>
+                        <a:buSzPct val="25000"/>
+                        <a:buNone/>
+                      </a:pPr>
+                      <a:r>
+                        <a:rPr lang="en-US" sz="1800"/>
+                        <a:t>82</a:t>
+                      </a:r>
+                    </a:p>
+                  </a:txBody>
+                  <a:tcPr marT="45725" marB="45725" marR="87575" marL="87575" anchor="ctr"/>
+                </a:tc>
+                <a:tc>
+                  <a:txBody>
+                    <a:bodyPr>
+                      <a:noAutofit/>
+                    </a:bodyPr>
+                    <a:lstStyle/>
+                    <a:p>
+                      <a:pPr indent="0" lvl="0" marL="0" marR="0" rtl="0" algn="ctr">
+                        <a:spcBef>
+                          <a:spcPts val="0"/>
+                        </a:spcBef>
+                        <a:buSzPct val="25000"/>
+                        <a:buNone/>
+                      </a:pPr>
+                      <a:r>
+                        <a:rPr lang="en-US" sz="1800"/>
+                        <a:t>85</a:t>
+                      </a:r>
+                    </a:p>
+                  </a:txBody>
+                  <a:tcPr marT="45725" marB="45725" marR="87575" marL="87575" anchor="ctr"/>
+                </a:tc>
+              </a:tr>
+              <a:tr h="520700">
+                <a:tc>
+                  <a:txBody>
+                    <a:bodyPr>
+                      <a:noAutofit/>
+                    </a:bodyPr>
+                    <a:lstStyle/>
+                    <a:p>
+                      <a:pPr indent="0" lvl="0" marL="0" marR="0" rtl="0" algn="l">
+                        <a:spcBef>
+                          <a:spcPts val="0"/>
+                        </a:spcBef>
+                        <a:buSzPct val="25000"/>
+                        <a:buNone/>
+                      </a:pPr>
+                      <a:r>
+                        <a:rPr lang="en-US" sz="1800"/>
+                        <a:t>Class 2</a:t>
+                      </a:r>
+                    </a:p>
+                  </a:txBody>
+                  <a:tcPr marT="45725" marB="45725" marR="87575" marL="87575" anchor="ctr"/>
+                </a:tc>
+                <a:tc>
+                  <a:txBody>
+                    <a:bodyPr>
+                      <a:noAutofit/>
+                    </a:bodyPr>
+                    <a:lstStyle/>
+                    <a:p>
+                      <a:pPr indent="0" lvl="0" marL="0" marR="0" rtl="0" algn="ctr">
+                        <a:spcBef>
+                          <a:spcPts val="0"/>
+                        </a:spcBef>
+                        <a:buSzPct val="25000"/>
+                        <a:buNone/>
+                      </a:pPr>
+                      <a:r>
+                        <a:rPr lang="en-US" sz="1800"/>
+                        <a:t>76</a:t>
+                      </a:r>
+                    </a:p>
+                  </a:txBody>
+                  <a:tcPr marT="45725" marB="45725" marR="87575" marL="87575" anchor="ctr"/>
+                </a:tc>
+                <a:tc>
+                  <a:txBody>
+                    <a:bodyPr>
+                      <a:noAutofit/>
+                    </a:bodyPr>
+                    <a:lstStyle/>
+                    <a:p>
+                      <a:pPr indent="0" lvl="0" marL="0" marR="0" rtl="0" algn="ctr">
+                        <a:spcBef>
+                          <a:spcPts val="0"/>
+                        </a:spcBef>
+                        <a:buSzPct val="25000"/>
+                        <a:buNone/>
+                      </a:pPr>
+                      <a:r>
+                        <a:rPr lang="en-US" sz="1800"/>
+                        <a:t>88</a:t>
+                      </a:r>
+                    </a:p>
+                  </a:txBody>
+                  <a:tcPr marT="45725" marB="45725" marR="87575" marL="87575" anchor="ctr"/>
+                </a:tc>
+              </a:tr>
+              <a:tr h="520700">
+                <a:tc>
+                  <a:txBody>
+                    <a:bodyPr>
+                      <a:noAutofit/>
+                    </a:bodyPr>
+                    <a:lstStyle/>
+                    <a:p>
+                      <a:pPr indent="0" lvl="0" marL="0" marR="0" rtl="0" algn="l">
+                        <a:spcBef>
+                          <a:spcPts val="0"/>
+                        </a:spcBef>
+                        <a:buSzPct val="25000"/>
+                        <a:buNone/>
+                      </a:pPr>
+                      <a:r>
+                        <a:rPr lang="en-US" sz="1800"/>
+                        <a:t>Class 3</a:t>
+                      </a:r>
+                    </a:p>
+                  </a:txBody>
+                  <a:tcPr marT="45725" marB="45725" marR="87575" marL="87575" anchor="ctr"/>
+                </a:tc>
+                <a:tc>
+                  <a:txBody>
+                    <a:bodyPr>
+                      <a:noAutofit/>
+                    </a:bodyPr>
+                    <a:lstStyle/>
+                    <a:p>
+                      <a:pPr indent="0" lvl="0" marL="0" marR="0" rtl="0" algn="ctr">
+                        <a:spcBef>
+                          <a:spcPts val="0"/>
+                        </a:spcBef>
+                        <a:buSzPct val="25000"/>
+                        <a:buNone/>
+                      </a:pPr>
+                      <a:r>
+                        <a:rPr lang="en-US" sz="1800"/>
+                        <a:t>84</a:t>
+                      </a:r>
+                    </a:p>
+                  </a:txBody>
+                  <a:tcPr marT="45725" marB="45725" marR="87575" marL="87575" anchor="ctr"/>
+                </a:tc>
+                <a:tc>
+                  <a:txBody>
+                    <a:bodyPr>
+                      <a:noAutofit/>
+                    </a:bodyPr>
+                    <a:lstStyle/>
+                    <a:p>
+                      <a:pPr indent="0" lvl="0" marL="0" marR="0" rtl="0" algn="ctr">
+                        <a:spcBef>
+                          <a:spcPts val="0"/>
+                        </a:spcBef>
+                        <a:buSzPct val="25000"/>
+                        <a:buNone/>
+                      </a:pPr>
+                      <a:r>
+                        <a:rPr lang="en-US" sz="1800"/>
+                        <a:t>90</a:t>
+                      </a:r>
+                    </a:p>
+                  </a:txBody>
+                  <a:tcPr marT="45725" marB="45725" marR="87575" marL="87575" anchor="ctr"/>
+                </a:tc>
+              </a:tr>
+            </a:tbl>
+          </a:graphicData>
+        </a:graphic>
+      </p:graphicFrame>
+      <p:sp>
+        <p:nvSpPr>
+          <p:cNvPr id="288" name="Shape 288"/>
+          <p:cNvSpPr txBox="1"/>
+          <p:nvPr>
+            <p:ph type="title"/>
+          </p:nvPr>
+        </p:nvSpPr>
+        <p:spPr>
+          <a:xfrm>
+            <a:off x="1903413" y="177800"/>
+            <a:ext cx="9472800" cy="1239900"/>
+          </a:xfrm>
+          <a:prstGeom prst="rect">
+            <a:avLst/>
+          </a:prstGeom>
+          <a:noFill/>
+          <a:ln>
+            <a:noFill/>
+          </a:ln>
+        </p:spPr>
+        <p:txBody>
+          <a:bodyPr anchorCtr="0" anchor="b" bIns="45700" lIns="91425" rIns="91425" tIns="45700">
+            <a:noAutofit/>
+          </a:bodyPr>
+          <a:lstStyle/>
+          <a:p>
+            <a:pPr indent="0" lvl="0" marL="0" marR="0" rtl="0" algn="l">
+              <a:lnSpc>
+                <a:spcPct val="90000"/>
+              </a:lnSpc>
+              <a:spcBef>
+                <a:spcPts val="0"/>
+              </a:spcBef>
+              <a:buClr>
+                <a:schemeClr val="dk2"/>
+              </a:buClr>
+              <a:buSzPct val="25000"/>
+              <a:buFont typeface="Calibri"/>
+              <a:buNone/>
+            </a:pPr>
+            <a:r>
+              <a:rPr i="1" lang="en-US"/>
+              <a:t>David Gillespie’s Russian Cinema on the “Vasiliev Brothers’” film Chapaev.</a:t>
+            </a:r>
+          </a:p>
+        </p:txBody>
+      </p:sp>
+    </p:spTree>
+  </p:cSld>
+  <p:clrMapOvr>
+    <a:masterClrMapping/>
+  </p:clrMapOvr>
+  <p:transition spd="med">
+    <p:fade/>
+  </p:transition>
+</p:sld>
+</file>
+
+<file path=ppt/slides/slide28.xml><?xml version="1.0" encoding="utf-8"?>
+<p:sld xmlns:a="http://schemas.openxmlformats.org/drawingml/2006/main" xmlns:r="http://schemas.openxmlformats.org/officeDocument/2006/relationships" xmlns:mc="http://schemas.openxmlformats.org/markup-compatibility/2006" xmlns:mv="urn:schemas-microsoft-com:mac:vml" xmlns:p="http://schemas.openxmlformats.org/presentationml/2006/main" xmlns:c="http://schemas.openxmlformats.org/drawingml/2006/chart" xmlns:dgm="http://schemas.openxmlformats.org/drawingml/2006/diagram" xmlns:o="urn:schemas-microsoft-com:office:office" xmlns:v="urn:schemas-microsoft-com:vml" xmlns:pvml="urn:schemas-microsoft-com:office:powerpoint" xmlns:com="http://schemas.openxmlformats.org/drawingml/2006/compatibility" xmlns:p14="http://schemas.microsoft.com/office/powerpoint/2010/main">
+  <p:cSld>
+    <p:spTree>
+      <p:nvGrpSpPr>
+        <p:cNvPr id="293" name="Shape 293"/>
+        <p:cNvGrpSpPr/>
+        <p:nvPr/>
+      </p:nvGrpSpPr>
+      <p:grpSpPr>
+        <a:xfrm>
+          <a:off x="0" y="0"/>
+          <a:ext cx="0" cy="0"/>
+          <a:chOff x="0" y="0"/>
+          <a:chExt cx="0" cy="0"/>
+        </a:xfrm>
+      </p:grpSpPr>
+      <p:sp>
+        <p:nvSpPr>
+          <p:cNvPr id="294" name="Shape 294"/>
+          <p:cNvSpPr txBox="1"/>
+          <p:nvPr>
+            <p:ph idx="1" type="body"/>
+          </p:nvPr>
+        </p:nvSpPr>
+        <p:spPr>
+          <a:xfrm>
+            <a:off x="1903413" y="1600200"/>
+            <a:ext cx="9472800" cy="4572000"/>
+          </a:xfrm>
+          <a:prstGeom prst="rect">
+            <a:avLst/>
+          </a:prstGeom>
+          <a:noFill/>
+          <a:ln>
+            <a:noFill/>
+          </a:ln>
+        </p:spPr>
+        <p:txBody>
+          <a:bodyPr anchorCtr="0" anchor="t" bIns="45700" lIns="91425" rIns="91425" tIns="45700">
+            <a:noAutofit/>
+          </a:bodyPr>
+          <a:lstStyle/>
+          <a:p>
+            <a:pPr indent="-246888" lvl="0" marL="246888" marR="0" rtl="0" algn="l">
+              <a:lnSpc>
+                <a:spcPct val="90000"/>
+              </a:lnSpc>
+              <a:spcBef>
+                <a:spcPts val="0"/>
+              </a:spcBef>
+              <a:buClr>
+                <a:srgbClr val="385623"/>
+              </a:buClr>
+              <a:buSzPct val="100000"/>
+              <a:buFont typeface="Arial"/>
+              <a:buChar char="›"/>
+            </a:pPr>
+            <a:r>
+              <a:rPr lang="en-US">
+                <a:solidFill>
+                  <a:srgbClr val="385623"/>
+                </a:solidFill>
+              </a:rPr>
+              <a:t>The model of the Soviet art of adaptation was established in the ‘golden age’ by Vsevolod Pudovkin in his film of Gorkii’s novel Mother […] and Grigorii Kozintsev and Leonid Trauberg with their 1926 adaptation of Gogol’s The Overcoat, with its self-conscious use of silhouette and shadow. Pudovkin’s didacticism and obvious symbolism, and the startling</a:t>
+            </a:r>
+          </a:p>
+          <a:p>
+            <a:pPr indent="-246888" lvl="0" marL="246888" marR="0" rtl="0" algn="l">
+              <a:lnSpc>
+                <a:spcPct val="90000"/>
+              </a:lnSpc>
+              <a:spcBef>
+                <a:spcPts val="0"/>
+              </a:spcBef>
+              <a:buClr>
+                <a:srgbClr val="385623"/>
+              </a:buClr>
+              <a:buSzPct val="100000"/>
+              <a:buFont typeface="Arial"/>
+              <a:buChar char="›"/>
+            </a:pPr>
+            <a:r>
+              <a:rPr lang="en-US">
+                <a:solidFill>
+                  <a:srgbClr val="385623"/>
+                </a:solidFill>
+              </a:rPr>
+              <a:t>Furmanov’s novel was first published in 1923. The author had served as political commissar in the 25th division of the Fourth Army, led by Vasilii Ivanovich Chapaev</a:t>
+            </a:r>
+          </a:p>
+          <a:p>
+            <a:pPr indent="-246888" lvl="0" marL="246888" marR="0" rtl="0" algn="l">
+              <a:lnSpc>
+                <a:spcPct val="90000"/>
+              </a:lnSpc>
+              <a:spcBef>
+                <a:spcPts val="0"/>
+              </a:spcBef>
+              <a:buClr>
+                <a:srgbClr val="385623"/>
+              </a:buClr>
+              <a:buSzPct val="100000"/>
+              <a:buFont typeface="Arial"/>
+              <a:buChar char="›"/>
+            </a:pPr>
+            <a:r>
+              <a:rPr lang="en-US">
+                <a:solidFill>
+                  <a:srgbClr val="385623"/>
+                </a:solidFill>
+              </a:rPr>
+              <a:t>Furmanov said his soldiers thought he was a hero</a:t>
+            </a:r>
+          </a:p>
+        </p:txBody>
+      </p:sp>
+      <p:sp>
+        <p:nvSpPr>
+          <p:cNvPr id="295" name="Shape 295"/>
+          <p:cNvSpPr txBox="1"/>
+          <p:nvPr>
+            <p:ph type="title"/>
+          </p:nvPr>
+        </p:nvSpPr>
+        <p:spPr>
+          <a:xfrm>
+            <a:off x="1903413" y="177800"/>
+            <a:ext cx="9472800" cy="1239900"/>
+          </a:xfrm>
+          <a:prstGeom prst="rect">
+            <a:avLst/>
+          </a:prstGeom>
+          <a:noFill/>
+          <a:ln>
+            <a:noFill/>
+          </a:ln>
+        </p:spPr>
+        <p:txBody>
+          <a:bodyPr anchorCtr="0" anchor="b" bIns="45700" lIns="91425" rIns="91425" tIns="45700">
+            <a:noAutofit/>
+          </a:bodyPr>
+          <a:lstStyle/>
+          <a:p>
+            <a:pPr indent="0" lvl="0" marL="0" marR="0" rtl="0" algn="l">
+              <a:lnSpc>
+                <a:spcPct val="90000"/>
+              </a:lnSpc>
+              <a:spcBef>
+                <a:spcPts val="0"/>
+              </a:spcBef>
+              <a:buClr>
+                <a:schemeClr val="dk2"/>
+              </a:buClr>
+              <a:buSzPct val="25000"/>
+              <a:buFont typeface="Calibri"/>
+              <a:buNone/>
+            </a:pPr>
+            <a:r>
+              <a:t/>
+            </a:r>
+            <a:endParaRPr b="0" i="0" sz="3600" u="none" cap="none" strike="noStrike">
+              <a:solidFill>
+                <a:schemeClr val="dk2"/>
+              </a:solidFill>
+              <a:latin typeface="Calibri"/>
+              <a:ea typeface="Calibri"/>
+              <a:cs typeface="Calibri"/>
+              <a:sym typeface="Calibri"/>
+            </a:endParaRPr>
+          </a:p>
+        </p:txBody>
+      </p:sp>
+    </p:spTree>
+  </p:cSld>
+  <p:clrMapOvr>
+    <a:masterClrMapping/>
+  </p:clrMapOvr>
+  <p:transition spd="med">
+    <p:fade/>
+  </p:transition>
+</p:sld>
+</file>
+
+<file path=ppt/slides/slide29.xml><?xml version="1.0" encoding="utf-8"?>
+<p:sld xmlns:a="http://schemas.openxmlformats.org/drawingml/2006/main" xmlns:r="http://schemas.openxmlformats.org/officeDocument/2006/relationships" xmlns:mc="http://schemas.openxmlformats.org/markup-compatibility/2006" xmlns:mv="urn:schemas-microsoft-com:mac:vml" xmlns:p="http://schemas.openxmlformats.org/presentationml/2006/main" xmlns:c="http://schemas.openxmlformats.org/drawingml/2006/chart" xmlns:dgm="http://schemas.openxmlformats.org/drawingml/2006/diagram" xmlns:o="urn:schemas-microsoft-com:office:office" xmlns:v="urn:schemas-microsoft-com:vml" xmlns:pvml="urn:schemas-microsoft-com:office:powerpoint" xmlns:com="http://schemas.openxmlformats.org/drawingml/2006/compatibility" xmlns:p14="http://schemas.microsoft.com/office/powerpoint/2010/main">
+  <p:cSld>
+    <p:spTree>
+      <p:nvGrpSpPr>
+        <p:cNvPr id="300" name="Shape 300"/>
+        <p:cNvGrpSpPr/>
+        <p:nvPr/>
+      </p:nvGrpSpPr>
+      <p:grpSpPr>
+        <a:xfrm>
+          <a:off x="0" y="0"/>
+          <a:ext cx="0" cy="0"/>
+          <a:chOff x="0" y="0"/>
+          <a:chExt cx="0" cy="0"/>
+        </a:xfrm>
+      </p:grpSpPr>
+      <p:sp>
+        <p:nvSpPr>
+          <p:cNvPr id="301" name="Shape 301"/>
+          <p:cNvSpPr txBox="1"/>
+          <p:nvPr>
+            <p:ph idx="1" type="body"/>
+          </p:nvPr>
+        </p:nvSpPr>
+        <p:spPr>
+          <a:xfrm>
+            <a:off x="1903413" y="1600200"/>
+            <a:ext cx="9472800" cy="4572000"/>
+          </a:xfrm>
+          <a:prstGeom prst="rect">
+            <a:avLst/>
+          </a:prstGeom>
+          <a:noFill/>
+          <a:ln>
+            <a:noFill/>
+          </a:ln>
+        </p:spPr>
+        <p:txBody>
+          <a:bodyPr anchorCtr="0" anchor="t" bIns="45700" lIns="91425" rIns="91425" tIns="45700">
+            <a:noAutofit/>
+          </a:bodyPr>
+          <a:lstStyle/>
+          <a:p>
+            <a:pPr indent="-246888" lvl="0" marL="246888" marR="0" rtl="0" algn="l">
+              <a:lnSpc>
+                <a:spcPct val="90000"/>
+              </a:lnSpc>
+              <a:spcBef>
+                <a:spcPts val="0"/>
+              </a:spcBef>
+              <a:buClr>
+                <a:srgbClr val="385623"/>
+              </a:buClr>
+              <a:buSzPct val="100000"/>
+              <a:buFont typeface="Arial"/>
+              <a:buChar char="›"/>
+            </a:pPr>
+            <a:r>
+              <a:rPr lang="en-US">
+                <a:solidFill>
+                  <a:srgbClr val="385623"/>
+                </a:solidFill>
+              </a:rPr>
+              <a:t>why Soviet call people civil war hero’s it was all because of Furmanov when he named Chapev a war hero</a:t>
+            </a:r>
+          </a:p>
+          <a:p>
+            <a:pPr indent="-246888" lvl="0" marL="246888" marR="0" rtl="0" algn="l">
+              <a:lnSpc>
+                <a:spcPct val="90000"/>
+              </a:lnSpc>
+              <a:spcBef>
+                <a:spcPts val="0"/>
+              </a:spcBef>
+              <a:buClr>
+                <a:srgbClr val="385623"/>
+              </a:buClr>
+              <a:buSzPct val="100000"/>
+              <a:buFont typeface="Arial"/>
+              <a:buChar char="›"/>
+            </a:pPr>
+            <a:r>
+              <a:rPr lang="en-US">
+                <a:solidFill>
+                  <a:srgbClr val="385623"/>
+                </a:solidFill>
+              </a:rPr>
+              <a:t>Katerina Clark (2000) described Klychkov, an educated, selfless working-class Party official, </a:t>
+            </a:r>
+          </a:p>
+          <a:p>
+            <a:pPr indent="-246888" lvl="0" marL="246888" marR="0" rtl="0" algn="l">
+              <a:lnSpc>
+                <a:spcPct val="90000"/>
+              </a:lnSpc>
+              <a:spcBef>
+                <a:spcPts val="0"/>
+              </a:spcBef>
+              <a:buClr>
+                <a:srgbClr val="385623"/>
+              </a:buClr>
+              <a:buSzPct val="100000"/>
+              <a:buFont typeface="Arial"/>
+              <a:buChar char="›"/>
+            </a:pPr>
+            <a:r>
+              <a:rPr lang="en-US">
+                <a:solidFill>
+                  <a:srgbClr val="385623"/>
+                </a:solidFill>
+              </a:rPr>
+              <a:t> she described Chapaev, by contrast, is a semiliterate peasant leader and is a bossy guy who is confused about party values</a:t>
+            </a:r>
+          </a:p>
+          <a:p>
+            <a:pPr indent="-246888" lvl="0" marL="246888" marR="0" rtl="0" algn="l">
+              <a:lnSpc>
+                <a:spcPct val="90000"/>
+              </a:lnSpc>
+              <a:spcBef>
+                <a:spcPts val="0"/>
+              </a:spcBef>
+              <a:buClr>
+                <a:srgbClr val="385623"/>
+              </a:buClr>
+              <a:buSzPct val="100000"/>
+              <a:buFont typeface="Arial"/>
+              <a:buChar char="›"/>
+            </a:pPr>
+            <a:r>
+              <a:rPr lang="en-US">
+                <a:solidFill>
+                  <a:srgbClr val="385623"/>
+                </a:solidFill>
+              </a:rPr>
+              <a:t>Basically Klychov figures out what is going on, takes over gets help from Petka but everyone dies in the end</a:t>
+            </a:r>
+          </a:p>
+          <a:p>
+            <a:pPr indent="-246888" lvl="0" marL="246888" marR="0" rtl="0" algn="l">
+              <a:lnSpc>
+                <a:spcPct val="90000"/>
+              </a:lnSpc>
+              <a:spcBef>
+                <a:spcPts val="0"/>
+              </a:spcBef>
+              <a:buClr>
+                <a:srgbClr val="385623"/>
+              </a:buClr>
+              <a:buSzPct val="100000"/>
+              <a:buFont typeface="Arial"/>
+              <a:buChar char="›"/>
+            </a:pPr>
+            <a:r>
+              <a:rPr lang="en-US">
+                <a:solidFill>
+                  <a:srgbClr val="385623"/>
+                </a:solidFill>
+              </a:rPr>
+              <a:t>just like American patriotism, Soviet people who forught and died for their values</a:t>
+            </a:r>
+          </a:p>
+        </p:txBody>
+      </p:sp>
+      <p:sp>
+        <p:nvSpPr>
+          <p:cNvPr id="302" name="Shape 302"/>
+          <p:cNvSpPr txBox="1"/>
+          <p:nvPr>
+            <p:ph type="title"/>
+          </p:nvPr>
+        </p:nvSpPr>
+        <p:spPr>
+          <a:xfrm>
+            <a:off x="1903413" y="177800"/>
+            <a:ext cx="9472800" cy="1239900"/>
+          </a:xfrm>
+          <a:prstGeom prst="rect">
+            <a:avLst/>
+          </a:prstGeom>
+          <a:noFill/>
+          <a:ln>
+            <a:noFill/>
+          </a:ln>
+        </p:spPr>
+        <p:txBody>
+          <a:bodyPr anchorCtr="0" anchor="b" bIns="45700" lIns="91425" rIns="91425" tIns="45700">
+            <a:noAutofit/>
+          </a:bodyPr>
+          <a:lstStyle/>
+          <a:p>
+            <a:pPr indent="0" lvl="0" marL="0" marR="0" rtl="0" algn="l">
+              <a:lnSpc>
+                <a:spcPct val="90000"/>
+              </a:lnSpc>
+              <a:spcBef>
+                <a:spcPts val="0"/>
+              </a:spcBef>
+              <a:buClr>
+                <a:schemeClr val="dk2"/>
+              </a:buClr>
+              <a:buSzPct val="25000"/>
+              <a:buFont typeface="Calibri"/>
+              <a:buNone/>
+            </a:pPr>
+            <a:r>
+              <a:t/>
+            </a:r>
+            <a:endParaRPr b="0" i="0" sz="3600" u="none" cap="none" strike="noStrike">
+              <a:solidFill>
+                <a:schemeClr val="dk2"/>
+              </a:solidFill>
+              <a:latin typeface="Calibri"/>
+              <a:ea typeface="Calibri"/>
+              <a:cs typeface="Calibri"/>
+              <a:sym typeface="Calibri"/>
+            </a:endParaRPr>
           </a:p>
         </p:txBody>
       </p:sp>

--- a/Spring 2017 Semester/Music or Arts/ARUS HW/14 ARUS HW/ARUS 280 HW #14.pptx
+++ b/Spring 2017 Semester/Music or Arts/ARUS HW/14 ARUS HW/ARUS 280 HW #14.pptx
@@ -19458,7 +19458,7 @@
             <a:tbl>
               <a:tblPr bandRow="1" firstRow="1">
                 <a:noFill/>
-                <a:tableStyleId>{57789A62-1ACC-4FE8-AD1D-7B51C1B918E5}</a:tableStyleId>
+                <a:tableStyleId>{247A6B1B-5F37-4B4E-89AC-919A7A7C658D}</a:tableStyleId>
               </a:tblPr>
               <a:tblGrid>
                 <a:gridCol w="1524000"/>
@@ -20188,7 +20188,7 @@
             <a:tbl>
               <a:tblPr bandRow="1" firstRow="1">
                 <a:noFill/>
-                <a:tableStyleId>{57789A62-1ACC-4FE8-AD1D-7B51C1B918E5}</a:tableStyleId>
+                <a:tableStyleId>{247A6B1B-5F37-4B4E-89AC-919A7A7C658D}</a:tableStyleId>
               </a:tblPr>
               <a:tblGrid>
                 <a:gridCol w="1524000"/>
@@ -21141,6 +21141,30 @@
               <a:t>the film wasn’t only for adapting the novel but also for making it a Soviet film, so different aspects had to be changed</a:t>
             </a:r>
           </a:p>
+          <a:p>
+            <a:pPr indent="-246888" lvl="0" marL="246888" marR="0" rtl="0" algn="l">
+              <a:lnSpc>
+                <a:spcPct val="90000"/>
+              </a:lnSpc>
+              <a:spcBef>
+                <a:spcPts val="0"/>
+              </a:spcBef>
+              <a:buClr>
+                <a:srgbClr val="385623"/>
+              </a:buClr>
+              <a:buSzPct val="100000"/>
+              <a:buFont typeface="Arial"/>
+              <a:buChar char="›"/>
+            </a:pPr>
+            <a:r>
+              <a:rPr lang="en-US">
+                <a:solidFill>
+                  <a:srgbClr val="385623"/>
+                </a:solidFill>
+              </a:rPr>
+              <a:t>sound was post produced, in a studio room which sounds like everyone is echoing</a:t>
+            </a:r>
+          </a:p>
         </p:txBody>
       </p:sp>
       <p:sp>
@@ -21618,7 +21642,7 @@
             <a:tbl>
               <a:tblPr bandRow="1" firstRow="1">
                 <a:noFill/>
-                <a:tableStyleId>{57789A62-1ACC-4FE8-AD1D-7B51C1B918E5}</a:tableStyleId>
+                <a:tableStyleId>{247A6B1B-5F37-4B4E-89AC-919A7A7C658D}</a:tableStyleId>
               </a:tblPr>
               <a:tblGrid>
                 <a:gridCol w="1524000"/>
@@ -24529,6 +24553,285 @@
 </file>
 
 <file path=ppt/theme/theme1.xml><?xml version="1.0" encoding="utf-8"?>
+<a:theme xmlns:a="http://schemas.openxmlformats.org/drawingml/2006/main" xmlns:r="http://schemas.openxmlformats.org/officeDocument/2006/relationships" name="Pharmacy design template">
+  <a:themeElements>
+    <a:clrScheme name="Office">
+      <a:dk1>
+        <a:srgbClr val="000000"/>
+      </a:dk1>
+      <a:lt1>
+        <a:srgbClr val="FFFFFF"/>
+      </a:lt1>
+      <a:dk2>
+        <a:srgbClr val="44546A"/>
+      </a:dk2>
+      <a:lt2>
+        <a:srgbClr val="E7E6E6"/>
+      </a:lt2>
+      <a:accent1>
+        <a:srgbClr val="5B9BD5"/>
+      </a:accent1>
+      <a:accent2>
+        <a:srgbClr val="ED7D31"/>
+      </a:accent2>
+      <a:accent3>
+        <a:srgbClr val="A5A5A5"/>
+      </a:accent3>
+      <a:accent4>
+        <a:srgbClr val="FFC000"/>
+      </a:accent4>
+      <a:accent5>
+        <a:srgbClr val="4472C4"/>
+      </a:accent5>
+      <a:accent6>
+        <a:srgbClr val="70AD47"/>
+      </a:accent6>
+      <a:hlink>
+        <a:srgbClr val="0563C1"/>
+      </a:hlink>
+      <a:folHlink>
+        <a:srgbClr val="954F72"/>
+      </a:folHlink>
+    </a:clrScheme>
+    <a:fontScheme name="Office">
+      <a:majorFont>
+        <a:latin typeface="Arial"/>
+        <a:ea typeface=""/>
+        <a:cs typeface=""/>
+        <a:font script="Jpan" typeface="ＭＳ Ｐゴシック"/>
+        <a:font script="Hang" typeface="맑은 고딕"/>
+        <a:font script="Hans" typeface="宋体"/>
+        <a:font script="Hant" typeface="新細明體"/>
+        <a:font script="Arab" typeface="Times New Roman"/>
+        <a:font script="Hebr" typeface="Times New Roman"/>
+        <a:font script="Thai" typeface="Angsana New"/>
+        <a:font script="Ethi" typeface="Nyala"/>
+        <a:font script="Beng" typeface="Vrinda"/>
+        <a:font script="Gujr" typeface="Shruti"/>
+        <a:font script="Khmr" typeface="MoolBoran"/>
+        <a:font script="Knda" typeface="Tunga"/>
+        <a:font script="Guru" typeface="Raavi"/>
+        <a:font script="Cans" typeface="Euphemia"/>
+        <a:font script="Cher" typeface="Plantagenet Cherokee"/>
+        <a:font script="Yiii" typeface="Microsoft Yi Baiti"/>
+        <a:font script="Tibt" typeface="Microsoft Himalaya"/>
+        <a:font script="Thaa" typeface="MV Boli"/>
+        <a:font script="Deva" typeface="Mangal"/>
+        <a:font script="Telu" typeface="Gautami"/>
+        <a:font script="Taml" typeface="Latha"/>
+        <a:font script="Syrc" typeface="Estrangelo Edessa"/>
+        <a:font script="Orya" typeface="Kalinga"/>
+        <a:font script="Mlym" typeface="Kartika"/>
+        <a:font script="Laoo" typeface="DokChampa"/>
+        <a:font script="Sinh" typeface="Iskoola Pota"/>
+        <a:font script="Mong" typeface="Mongolian Baiti"/>
+        <a:font script="Viet" typeface="Times New Roman"/>
+        <a:font script="Uigh" typeface="Microsoft Uighur"/>
+        <a:font script="Geor" typeface="Sylfaen"/>
+      </a:majorFont>
+      <a:minorFont>
+        <a:latin typeface="Arial"/>
+        <a:ea typeface=""/>
+        <a:cs typeface=""/>
+        <a:font script="Jpan" typeface="ＭＳ Ｐゴシック"/>
+        <a:font script="Hang" typeface="맑은 고딕"/>
+        <a:font script="Hans" typeface="宋体"/>
+        <a:font script="Hant" typeface="新細明體"/>
+        <a:font script="Arab" typeface="Arial"/>
+        <a:font script="Hebr" typeface="Arial"/>
+        <a:font script="Thai" typeface="Cordia New"/>
+        <a:font script="Ethi" typeface="Nyala"/>
+        <a:font script="Beng" typeface="Vrinda"/>
+        <a:font script="Gujr" typeface="Shruti"/>
+        <a:font script="Khmr" typeface="DaunPenh"/>
+        <a:font script="Knda" typeface="Tunga"/>
+        <a:font script="Guru" typeface="Raavi"/>
+        <a:font script="Cans" typeface="Euphemia"/>
+        <a:font script="Cher" typeface="Plantagenet Cherokee"/>
+        <a:font script="Yiii" typeface="Microsoft Yi Baiti"/>
+        <a:font script="Tibt" typeface="Microsoft Himalaya"/>
+        <a:font script="Thaa" typeface="MV Boli"/>
+        <a:font script="Deva" typeface="Mangal"/>
+        <a:font script="Telu" typeface="Gautami"/>
+        <a:font script="Taml" typeface="Latha"/>
+        <a:font script="Syrc" typeface="Estrangelo Edessa"/>
+        <a:font script="Orya" typeface="Kalinga"/>
+        <a:font script="Mlym" typeface="Kartika"/>
+        <a:font script="Laoo" typeface="DokChampa"/>
+        <a:font script="Sinh" typeface="Iskoola Pota"/>
+        <a:font script="Mong" typeface="Mongolian Baiti"/>
+        <a:font script="Viet" typeface="Arial"/>
+        <a:font script="Uigh" typeface="Microsoft Uighur"/>
+        <a:font script="Geor" typeface="Sylfaen"/>
+      </a:minorFont>
+    </a:fontScheme>
+    <a:fmtScheme name="Office">
+      <a:fillStyleLst>
+        <a:solidFill>
+          <a:schemeClr val="phClr"/>
+        </a:solidFill>
+        <a:gradFill rotWithShape="1">
+          <a:gsLst>
+            <a:gs pos="0">
+              <a:schemeClr val="phClr">
+                <a:tint val="50000"/>
+                <a:satMod val="300000"/>
+              </a:schemeClr>
+            </a:gs>
+            <a:gs pos="35000">
+              <a:schemeClr val="phClr">
+                <a:tint val="37000"/>
+                <a:satMod val="300000"/>
+              </a:schemeClr>
+            </a:gs>
+            <a:gs pos="100000">
+              <a:schemeClr val="phClr">
+                <a:tint val="15000"/>
+                <a:satMod val="350000"/>
+              </a:schemeClr>
+            </a:gs>
+          </a:gsLst>
+          <a:lin ang="16200000" scaled="1"/>
+        </a:gradFill>
+        <a:gradFill rotWithShape="1">
+          <a:gsLst>
+            <a:gs pos="0">
+              <a:schemeClr val="phClr">
+                <a:tint val="100000"/>
+                <a:shade val="100000"/>
+                <a:satMod val="130000"/>
+              </a:schemeClr>
+            </a:gs>
+            <a:gs pos="100000">
+              <a:schemeClr val="phClr">
+                <a:tint val="50000"/>
+                <a:shade val="100000"/>
+                <a:satMod val="350000"/>
+              </a:schemeClr>
+            </a:gs>
+          </a:gsLst>
+          <a:lin ang="16200000" scaled="0"/>
+        </a:gradFill>
+      </a:fillStyleLst>
+      <a:lnStyleLst>
+        <a:ln w="9525" cap="flat" cmpd="sng" algn="ctr">
+          <a:solidFill>
+            <a:schemeClr val="phClr">
+              <a:shade val="95000"/>
+              <a:satMod val="105000"/>
+            </a:schemeClr>
+          </a:solidFill>
+          <a:prstDash val="solid"/>
+        </a:ln>
+        <a:ln w="25400" cap="flat" cmpd="sng" algn="ctr">
+          <a:solidFill>
+            <a:schemeClr val="phClr"/>
+          </a:solidFill>
+          <a:prstDash val="solid"/>
+        </a:ln>
+        <a:ln w="38100" cap="flat" cmpd="sng" algn="ctr">
+          <a:solidFill>
+            <a:schemeClr val="phClr"/>
+          </a:solidFill>
+          <a:prstDash val="solid"/>
+        </a:ln>
+      </a:lnStyleLst>
+      <a:effectStyleLst>
+        <a:effectStyle>
+          <a:effectLst>
+            <a:outerShdw blurRad="40000" dist="20000" dir="5400000" rotWithShape="0">
+              <a:srgbClr val="000000">
+                <a:alpha val="38000"/>
+              </a:srgbClr>
+            </a:outerShdw>
+          </a:effectLst>
+        </a:effectStyle>
+        <a:effectStyle>
+          <a:effectLst>
+            <a:outerShdw blurRad="40000" dist="23000" dir="5400000" rotWithShape="0">
+              <a:srgbClr val="000000">
+                <a:alpha val="35000"/>
+              </a:srgbClr>
+            </a:outerShdw>
+          </a:effectLst>
+        </a:effectStyle>
+        <a:effectStyle>
+          <a:effectLst>
+            <a:outerShdw blurRad="40000" dist="23000" dir="5400000" rotWithShape="0">
+              <a:srgbClr val="000000">
+                <a:alpha val="35000"/>
+              </a:srgbClr>
+            </a:outerShdw>
+          </a:effectLst>
+          <a:scene3d>
+            <a:camera prst="orthographicFront">
+              <a:rot lat="0" lon="0" rev="0"/>
+            </a:camera>
+            <a:lightRig rig="threePt" dir="t">
+              <a:rot lat="0" lon="0" rev="1200000"/>
+            </a:lightRig>
+          </a:scene3d>
+          <a:sp3d>
+            <a:bevelT w="63500" h="25400"/>
+          </a:sp3d>
+        </a:effectStyle>
+      </a:effectStyleLst>
+      <a:bgFillStyleLst>
+        <a:solidFill>
+          <a:schemeClr val="phClr"/>
+        </a:solidFill>
+        <a:gradFill rotWithShape="1">
+          <a:gsLst>
+            <a:gs pos="0">
+              <a:schemeClr val="phClr">
+                <a:tint val="40000"/>
+                <a:satMod val="350000"/>
+              </a:schemeClr>
+            </a:gs>
+            <a:gs pos="40000">
+              <a:schemeClr val="phClr">
+                <a:tint val="45000"/>
+                <a:shade val="99000"/>
+                <a:satMod val="350000"/>
+              </a:schemeClr>
+            </a:gs>
+            <a:gs pos="100000">
+              <a:schemeClr val="phClr">
+                <a:shade val="20000"/>
+                <a:satMod val="255000"/>
+              </a:schemeClr>
+            </a:gs>
+          </a:gsLst>
+          <a:path path="circle">
+            <a:fillToRect l="50000" t="-80000" r="50000" b="180000"/>
+          </a:path>
+        </a:gradFill>
+        <a:gradFill rotWithShape="1">
+          <a:gsLst>
+            <a:gs pos="0">
+              <a:schemeClr val="phClr">
+                <a:tint val="80000"/>
+                <a:satMod val="300000"/>
+              </a:schemeClr>
+            </a:gs>
+            <a:gs pos="100000">
+              <a:schemeClr val="phClr">
+                <a:shade val="30000"/>
+                <a:satMod val="200000"/>
+              </a:schemeClr>
+            </a:gs>
+          </a:gsLst>
+          <a:path path="circle">
+            <a:fillToRect l="50000" t="50000" r="50000" b="50000"/>
+          </a:path>
+        </a:gradFill>
+      </a:bgFillStyleLst>
+    </a:fmtScheme>
+  </a:themeElements>
+</a:theme>
+</file>
+
+<file path=ppt/theme/theme2.xml><?xml version="1.0" encoding="utf-8"?>
 <a:theme xmlns:a="http://schemas.openxmlformats.org/drawingml/2006/main" xmlns:r="http://schemas.openxmlformats.org/officeDocument/2006/relationships" name="Custom Theme">
   <a:themeElements>
     <a:clrScheme name="Default">
@@ -24805,283 +25108,4 @@
     </a:fmtScheme>
   </a:themeElements>
 </a:theme>
-</file>
-
-<file path=ppt/theme/theme2.xml><?xml version="1.0" encoding="utf-8"?>
-<a:theme xmlns:a="http://schemas.openxmlformats.org/drawingml/2006/main" xmlns:r="http://schemas.openxmlformats.org/officeDocument/2006/relationships" name="Pharmacy design template">
-  <a:themeElements>
-    <a:clrScheme name="Office">
-      <a:dk1>
-        <a:srgbClr val="000000"/>
-      </a:dk1>
-      <a:lt1>
-        <a:srgbClr val="FFFFFF"/>
-      </a:lt1>
-      <a:dk2>
-        <a:srgbClr val="44546A"/>
-      </a:dk2>
-      <a:lt2>
-        <a:srgbClr val="E7E6E6"/>
-      </a:lt2>
-      <a:accent1>
-        <a:srgbClr val="5B9BD5"/>
-      </a:accent1>
-      <a:accent2>
-        <a:srgbClr val="ED7D31"/>
-      </a:accent2>
-      <a:accent3>
-        <a:srgbClr val="A5A5A5"/>
-      </a:accent3>
-      <a:accent4>
-        <a:srgbClr val="FFC000"/>
-      </a:accent4>
-      <a:accent5>
-        <a:srgbClr val="4472C4"/>
-      </a:accent5>
-      <a:accent6>
-        <a:srgbClr val="70AD47"/>
-      </a:accent6>
-      <a:hlink>
-        <a:srgbClr val="0563C1"/>
-      </a:hlink>
-      <a:folHlink>
-        <a:srgbClr val="954F72"/>
-      </a:folHlink>
-    </a:clrScheme>
-    <a:fontScheme name="Office">
-      <a:majorFont>
-        <a:latin typeface="Arial"/>
-        <a:ea typeface=""/>
-        <a:cs typeface=""/>
-        <a:font script="Jpan" typeface="ＭＳ Ｐゴシック"/>
-        <a:font script="Hang" typeface="맑은 고딕"/>
-        <a:font script="Hans" typeface="宋体"/>
-        <a:font script="Hant" typeface="新細明體"/>
-        <a:font script="Arab" typeface="Times New Roman"/>
-        <a:font script="Hebr" typeface="Times New Roman"/>
-        <a:font script="Thai" typeface="Angsana New"/>
-        <a:font script="Ethi" typeface="Nyala"/>
-        <a:font script="Beng" typeface="Vrinda"/>
-        <a:font script="Gujr" typeface="Shruti"/>
-        <a:font script="Khmr" typeface="MoolBoran"/>
-        <a:font script="Knda" typeface="Tunga"/>
-        <a:font script="Guru" typeface="Raavi"/>
-        <a:font script="Cans" typeface="Euphemia"/>
-        <a:font script="Cher" typeface="Plantagenet Cherokee"/>
-        <a:font script="Yiii" typeface="Microsoft Yi Baiti"/>
-        <a:font script="Tibt" typeface="Microsoft Himalaya"/>
-        <a:font script="Thaa" typeface="MV Boli"/>
-        <a:font script="Deva" typeface="Mangal"/>
-        <a:font script="Telu" typeface="Gautami"/>
-        <a:font script="Taml" typeface="Latha"/>
-        <a:font script="Syrc" typeface="Estrangelo Edessa"/>
-        <a:font script="Orya" typeface="Kalinga"/>
-        <a:font script="Mlym" typeface="Kartika"/>
-        <a:font script="Laoo" typeface="DokChampa"/>
-        <a:font script="Sinh" typeface="Iskoola Pota"/>
-        <a:font script="Mong" typeface="Mongolian Baiti"/>
-        <a:font script="Viet" typeface="Times New Roman"/>
-        <a:font script="Uigh" typeface="Microsoft Uighur"/>
-        <a:font script="Geor" typeface="Sylfaen"/>
-      </a:majorFont>
-      <a:minorFont>
-        <a:latin typeface="Arial"/>
-        <a:ea typeface=""/>
-        <a:cs typeface=""/>
-        <a:font script="Jpan" typeface="ＭＳ Ｐゴシック"/>
-        <a:font script="Hang" typeface="맑은 고딕"/>
-        <a:font script="Hans" typeface="宋体"/>
-        <a:font script="Hant" typeface="新細明體"/>
-        <a:font script="Arab" typeface="Arial"/>
-        <a:font script="Hebr" typeface="Arial"/>
-        <a:font script="Thai" typeface="Cordia New"/>
-        <a:font script="Ethi" typeface="Nyala"/>
-        <a:font script="Beng" typeface="Vrinda"/>
-        <a:font script="Gujr" typeface="Shruti"/>
-        <a:font script="Khmr" typeface="DaunPenh"/>
-        <a:font script="Knda" typeface="Tunga"/>
-        <a:font script="Guru" typeface="Raavi"/>
-        <a:font script="Cans" typeface="Euphemia"/>
-        <a:font script="Cher" typeface="Plantagenet Cherokee"/>
-        <a:font script="Yiii" typeface="Microsoft Yi Baiti"/>
-        <a:font script="Tibt" typeface="Microsoft Himalaya"/>
-        <a:font script="Thaa" typeface="MV Boli"/>
-        <a:font script="Deva" typeface="Mangal"/>
-        <a:font script="Telu" typeface="Gautami"/>
-        <a:font script="Taml" typeface="Latha"/>
-        <a:font script="Syrc" typeface="Estrangelo Edessa"/>
-        <a:font script="Orya" typeface="Kalinga"/>
-        <a:font script="Mlym" typeface="Kartika"/>
-        <a:font script="Laoo" typeface="DokChampa"/>
-        <a:font script="Sinh" typeface="Iskoola Pota"/>
-        <a:font script="Mong" typeface="Mongolian Baiti"/>
-        <a:font script="Viet" typeface="Arial"/>
-        <a:font script="Uigh" typeface="Microsoft Uighur"/>
-        <a:font script="Geor" typeface="Sylfaen"/>
-      </a:minorFont>
-    </a:fontScheme>
-    <a:fmtScheme name="Office">
-      <a:fillStyleLst>
-        <a:solidFill>
-          <a:schemeClr val="phClr"/>
-        </a:solidFill>
-        <a:gradFill rotWithShape="1">
-          <a:gsLst>
-            <a:gs pos="0">
-              <a:schemeClr val="phClr">
-                <a:tint val="50000"/>
-                <a:satMod val="300000"/>
-              </a:schemeClr>
-            </a:gs>
-            <a:gs pos="35000">
-              <a:schemeClr val="phClr">
-                <a:tint val="37000"/>
-                <a:satMod val="300000"/>
-              </a:schemeClr>
-            </a:gs>
-            <a:gs pos="100000">
-              <a:schemeClr val="phClr">
-                <a:tint val="15000"/>
-                <a:satMod val="350000"/>
-              </a:schemeClr>
-            </a:gs>
-          </a:gsLst>
-          <a:lin ang="16200000" scaled="1"/>
-        </a:gradFill>
-        <a:gradFill rotWithShape="1">
-          <a:gsLst>
-            <a:gs pos="0">
-              <a:schemeClr val="phClr">
-                <a:tint val="100000"/>
-                <a:shade val="100000"/>
-                <a:satMod val="130000"/>
-              </a:schemeClr>
-            </a:gs>
-            <a:gs pos="100000">
-              <a:schemeClr val="phClr">
-                <a:tint val="50000"/>
-                <a:shade val="100000"/>
-                <a:satMod val="350000"/>
-              </a:schemeClr>
-            </a:gs>
-          </a:gsLst>
-          <a:lin ang="16200000" scaled="0"/>
-        </a:gradFill>
-      </a:fillStyleLst>
-      <a:lnStyleLst>
-        <a:ln w="9525" cap="flat" cmpd="sng" algn="ctr">
-          <a:solidFill>
-            <a:schemeClr val="phClr">
-              <a:shade val="95000"/>
-              <a:satMod val="105000"/>
-            </a:schemeClr>
-          </a:solidFill>
-          <a:prstDash val="solid"/>
-        </a:ln>
-        <a:ln w="25400" cap="flat" cmpd="sng" algn="ctr">
-          <a:solidFill>
-            <a:schemeClr val="phClr"/>
-          </a:solidFill>
-          <a:prstDash val="solid"/>
-        </a:ln>
-        <a:ln w="38100" cap="flat" cmpd="sng" algn="ctr">
-          <a:solidFill>
-            <a:schemeClr val="phClr"/>
-          </a:solidFill>
-          <a:prstDash val="solid"/>
-        </a:ln>
-      </a:lnStyleLst>
-      <a:effectStyleLst>
-        <a:effectStyle>
-          <a:effectLst>
-            <a:outerShdw blurRad="40000" dist="20000" dir="5400000" rotWithShape="0">
-              <a:srgbClr val="000000">
-                <a:alpha val="38000"/>
-              </a:srgbClr>
-            </a:outerShdw>
-          </a:effectLst>
-        </a:effectStyle>
-        <a:effectStyle>
-          <a:effectLst>
-            <a:outerShdw blurRad="40000" dist="23000" dir="5400000" rotWithShape="0">
-              <a:srgbClr val="000000">
-                <a:alpha val="35000"/>
-              </a:srgbClr>
-            </a:outerShdw>
-          </a:effectLst>
-        </a:effectStyle>
-        <a:effectStyle>
-          <a:effectLst>
-            <a:outerShdw blurRad="40000" dist="23000" dir="5400000" rotWithShape="0">
-              <a:srgbClr val="000000">
-                <a:alpha val="35000"/>
-              </a:srgbClr>
-            </a:outerShdw>
-          </a:effectLst>
-          <a:scene3d>
-            <a:camera prst="orthographicFront">
-              <a:rot lat="0" lon="0" rev="0"/>
-            </a:camera>
-            <a:lightRig rig="threePt" dir="t">
-              <a:rot lat="0" lon="0" rev="1200000"/>
-            </a:lightRig>
-          </a:scene3d>
-          <a:sp3d>
-            <a:bevelT w="63500" h="25400"/>
-          </a:sp3d>
-        </a:effectStyle>
-      </a:effectStyleLst>
-      <a:bgFillStyleLst>
-        <a:solidFill>
-          <a:schemeClr val="phClr"/>
-        </a:solidFill>
-        <a:gradFill rotWithShape="1">
-          <a:gsLst>
-            <a:gs pos="0">
-              <a:schemeClr val="phClr">
-                <a:tint val="40000"/>
-                <a:satMod val="350000"/>
-              </a:schemeClr>
-            </a:gs>
-            <a:gs pos="40000">
-              <a:schemeClr val="phClr">
-                <a:tint val="45000"/>
-                <a:shade val="99000"/>
-                <a:satMod val="350000"/>
-              </a:schemeClr>
-            </a:gs>
-            <a:gs pos="100000">
-              <a:schemeClr val="phClr">
-                <a:shade val="20000"/>
-                <a:satMod val="255000"/>
-              </a:schemeClr>
-            </a:gs>
-          </a:gsLst>
-          <a:path path="circle">
-            <a:fillToRect l="50000" t="-80000" r="50000" b="180000"/>
-          </a:path>
-        </a:gradFill>
-        <a:gradFill rotWithShape="1">
-          <a:gsLst>
-            <a:gs pos="0">
-              <a:schemeClr val="phClr">
-                <a:tint val="80000"/>
-                <a:satMod val="300000"/>
-              </a:schemeClr>
-            </a:gs>
-            <a:gs pos="100000">
-              <a:schemeClr val="phClr">
-                <a:shade val="30000"/>
-                <a:satMod val="200000"/>
-              </a:schemeClr>
-            </a:gs>
-          </a:gsLst>
-          <a:path path="circle">
-            <a:fillToRect l="50000" t="50000" r="50000" b="50000"/>
-          </a:path>
-        </a:gradFill>
-      </a:bgFillStyleLst>
-    </a:fmtScheme>
-  </a:themeElements>
-</a:theme>
 </file>